--- a/Annexes/Frage 14 Graphique.pptx
+++ b/Annexes/Frage 14 Graphique.pptx
@@ -104,6 +104,11 @@
       </a:defRPr>
     </a:lvl9pPr>
   </p:defaultTextStyle>
+  <p:extLst>
+    <p:ext uri="{EFAFB233-063F-42B5-8137-9DF3F51BA10A}">
+      <p15:sldGuideLst xmlns:p15="http://schemas.microsoft.com/office/powerpoint/2012/main"/>
+    </p:ext>
+  </p:extLst>
 </p:presentation>
 </file>
 
@@ -256,7 +261,7 @@
           <a:p>
             <a:fld id="{FA87D901-07B8-4C3B-A774-ECFB180F1F6E}" type="datetimeFigureOut">
               <a:rPr lang="en-GB" smtClean="0"/>
-              <a:t>09/04/2018</a:t>
+              <a:t>11/04/2018</a:t>
             </a:fld>
             <a:endParaRPr lang="en-GB"/>
           </a:p>
@@ -456,7 +461,7 @@
           <a:p>
             <a:fld id="{FA87D901-07B8-4C3B-A774-ECFB180F1F6E}" type="datetimeFigureOut">
               <a:rPr lang="en-GB" smtClean="0"/>
-              <a:t>09/04/2018</a:t>
+              <a:t>11/04/2018</a:t>
             </a:fld>
             <a:endParaRPr lang="en-GB"/>
           </a:p>
@@ -666,7 +671,7 @@
           <a:p>
             <a:fld id="{FA87D901-07B8-4C3B-A774-ECFB180F1F6E}" type="datetimeFigureOut">
               <a:rPr lang="en-GB" smtClean="0"/>
-              <a:t>09/04/2018</a:t>
+              <a:t>11/04/2018</a:t>
             </a:fld>
             <a:endParaRPr lang="en-GB"/>
           </a:p>
@@ -866,7 +871,7 @@
           <a:p>
             <a:fld id="{FA87D901-07B8-4C3B-A774-ECFB180F1F6E}" type="datetimeFigureOut">
               <a:rPr lang="en-GB" smtClean="0"/>
-              <a:t>09/04/2018</a:t>
+              <a:t>11/04/2018</a:t>
             </a:fld>
             <a:endParaRPr lang="en-GB"/>
           </a:p>
@@ -1142,7 +1147,7 @@
           <a:p>
             <a:fld id="{FA87D901-07B8-4C3B-A774-ECFB180F1F6E}" type="datetimeFigureOut">
               <a:rPr lang="en-GB" smtClean="0"/>
-              <a:t>09/04/2018</a:t>
+              <a:t>11/04/2018</a:t>
             </a:fld>
             <a:endParaRPr lang="en-GB"/>
           </a:p>
@@ -1410,7 +1415,7 @@
           <a:p>
             <a:fld id="{FA87D901-07B8-4C3B-A774-ECFB180F1F6E}" type="datetimeFigureOut">
               <a:rPr lang="en-GB" smtClean="0"/>
-              <a:t>09/04/2018</a:t>
+              <a:t>11/04/2018</a:t>
             </a:fld>
             <a:endParaRPr lang="en-GB"/>
           </a:p>
@@ -1825,7 +1830,7 @@
           <a:p>
             <a:fld id="{FA87D901-07B8-4C3B-A774-ECFB180F1F6E}" type="datetimeFigureOut">
               <a:rPr lang="en-GB" smtClean="0"/>
-              <a:t>09/04/2018</a:t>
+              <a:t>11/04/2018</a:t>
             </a:fld>
             <a:endParaRPr lang="en-GB"/>
           </a:p>
@@ -1967,7 +1972,7 @@
           <a:p>
             <a:fld id="{FA87D901-07B8-4C3B-A774-ECFB180F1F6E}" type="datetimeFigureOut">
               <a:rPr lang="en-GB" smtClean="0"/>
-              <a:t>09/04/2018</a:t>
+              <a:t>11/04/2018</a:t>
             </a:fld>
             <a:endParaRPr lang="en-GB"/>
           </a:p>
@@ -2080,7 +2085,7 @@
           <a:p>
             <a:fld id="{FA87D901-07B8-4C3B-A774-ECFB180F1F6E}" type="datetimeFigureOut">
               <a:rPr lang="en-GB" smtClean="0"/>
-              <a:t>09/04/2018</a:t>
+              <a:t>11/04/2018</a:t>
             </a:fld>
             <a:endParaRPr lang="en-GB"/>
           </a:p>
@@ -2393,7 +2398,7 @@
           <a:p>
             <a:fld id="{FA87D901-07B8-4C3B-A774-ECFB180F1F6E}" type="datetimeFigureOut">
               <a:rPr lang="en-GB" smtClean="0"/>
-              <a:t>09/04/2018</a:t>
+              <a:t>11/04/2018</a:t>
             </a:fld>
             <a:endParaRPr lang="en-GB"/>
           </a:p>
@@ -2682,7 +2687,7 @@
           <a:p>
             <a:fld id="{FA87D901-07B8-4C3B-A774-ECFB180F1F6E}" type="datetimeFigureOut">
               <a:rPr lang="en-GB" smtClean="0"/>
-              <a:t>09/04/2018</a:t>
+              <a:t>11/04/2018</a:t>
             </a:fld>
             <a:endParaRPr lang="en-GB"/>
           </a:p>
@@ -2925,7 +2930,7 @@
           <a:p>
             <a:fld id="{FA87D901-07B8-4C3B-A774-ECFB180F1F6E}" type="datetimeFigureOut">
               <a:rPr lang="en-GB" smtClean="0"/>
-              <a:t>09/04/2018</a:t>
+              <a:t>11/04/2018</a:t>
             </a:fld>
             <a:endParaRPr lang="en-GB"/>
           </a:p>
@@ -3356,7 +3361,7 @@
         </p:nvGrpSpPr>
         <p:grpSpPr>
           <a:xfrm>
-            <a:off x="4572000" y="172720"/>
+            <a:off x="4572000" y="691467"/>
             <a:ext cx="2499360" cy="923330"/>
             <a:chOff x="4419600" y="172720"/>
             <a:chExt cx="2499360" cy="923330"/>
@@ -3478,7 +3483,7 @@
         </p:nvGrpSpPr>
         <p:grpSpPr>
           <a:xfrm>
-            <a:off x="477520" y="1503680"/>
+            <a:off x="477520" y="2022427"/>
             <a:ext cx="2499360" cy="1200329"/>
             <a:chOff x="4419600" y="172720"/>
             <a:chExt cx="2499360" cy="1200329"/>
@@ -3601,7 +3606,7 @@
         </p:nvGrpSpPr>
         <p:grpSpPr>
           <a:xfrm>
-            <a:off x="3357880" y="1503680"/>
+            <a:off x="3357880" y="2022427"/>
             <a:ext cx="2499360" cy="923330"/>
             <a:chOff x="4419600" y="172720"/>
             <a:chExt cx="2499360" cy="923330"/>
@@ -3720,7 +3725,7 @@
         </p:nvGrpSpPr>
         <p:grpSpPr>
           <a:xfrm>
-            <a:off x="6238240" y="1503680"/>
+            <a:off x="6238240" y="2022427"/>
             <a:ext cx="2499360" cy="1200329"/>
             <a:chOff x="4419600" y="172720"/>
             <a:chExt cx="2499360" cy="1200329"/>
@@ -3843,7 +3848,7 @@
         </p:nvGrpSpPr>
         <p:grpSpPr>
           <a:xfrm>
-            <a:off x="9118600" y="1503680"/>
+            <a:off x="9118600" y="2022427"/>
             <a:ext cx="2499360" cy="923330"/>
             <a:chOff x="4419600" y="172720"/>
             <a:chExt cx="2499360" cy="923330"/>
@@ -3965,7 +3970,7 @@
         </p:nvCxnSpPr>
         <p:spPr>
           <a:xfrm flipV="1">
-            <a:off x="1762760" y="1299865"/>
+            <a:off x="1762760" y="1818612"/>
             <a:ext cx="0" cy="203815"/>
           </a:xfrm>
           <a:prstGeom prst="line">
@@ -4004,7 +4009,7 @@
         </p:nvCxnSpPr>
         <p:spPr>
           <a:xfrm flipV="1">
-            <a:off x="4714240" y="1299865"/>
+            <a:off x="4714240" y="1818612"/>
             <a:ext cx="5080" cy="203815"/>
           </a:xfrm>
           <a:prstGeom prst="line">
@@ -4043,7 +4048,7 @@
         </p:nvCxnSpPr>
         <p:spPr>
           <a:xfrm flipV="1">
-            <a:off x="7594600" y="1299865"/>
+            <a:off x="7594600" y="1818612"/>
             <a:ext cx="0" cy="203815"/>
           </a:xfrm>
           <a:prstGeom prst="line">
@@ -4082,7 +4087,7 @@
         </p:nvCxnSpPr>
         <p:spPr>
           <a:xfrm flipV="1">
-            <a:off x="10546080" y="1299865"/>
+            <a:off x="10546080" y="1818612"/>
             <a:ext cx="5080" cy="203815"/>
           </a:xfrm>
           <a:prstGeom prst="line">
@@ -4119,7 +4124,7 @@
         </p:nvCxnSpPr>
         <p:spPr>
           <a:xfrm>
-            <a:off x="1762760" y="1299865"/>
+            <a:off x="1762760" y="1818612"/>
             <a:ext cx="8783320" cy="0"/>
           </a:xfrm>
           <a:prstGeom prst="line">
@@ -4158,7 +4163,7 @@
         </p:nvCxnSpPr>
         <p:spPr>
           <a:xfrm flipV="1">
-            <a:off x="5857240" y="975360"/>
+            <a:off x="5857240" y="1494107"/>
             <a:ext cx="0" cy="324505"/>
           </a:xfrm>
           <a:prstGeom prst="line">
@@ -4195,10 +4200,10 @@
         </p:nvGrpSpPr>
         <p:grpSpPr>
           <a:xfrm>
-            <a:off x="477520" y="2828835"/>
-            <a:ext cx="2499360" cy="1477328"/>
+            <a:off x="772157" y="3222755"/>
+            <a:ext cx="2204721" cy="450696"/>
             <a:chOff x="4419600" y="172720"/>
-            <a:chExt cx="2499360" cy="1477328"/>
+            <a:chExt cx="2499360" cy="802640"/>
           </a:xfrm>
         </p:grpSpPr>
         <p:sp>
@@ -4216,7 +4221,7 @@
           <p:spPr>
             <a:xfrm>
               <a:off x="4419600" y="172720"/>
-              <a:ext cx="2499360" cy="1477328"/>
+              <a:ext cx="2499360" cy="646331"/>
             </a:xfrm>
             <a:prstGeom prst="rect">
               <a:avLst/>
@@ -4234,36 +4239,9 @@
             <a:p>
               <a:pPr algn="ctr"/>
               <a:r>
-                <a:rPr lang="de-DE" dirty="0"/>
-                <a:t>Achat et </a:t>
+                <a:rPr lang="fr-FR" dirty="0"/>
+                <a:t>AGC Automotive</a:t>
               </a:r>
-              <a:r>
-                <a:rPr lang="de-DE" dirty="0" err="1"/>
-                <a:t>approvisionnement</a:t>
-              </a:r>
-              <a:r>
-                <a:rPr lang="de-DE" dirty="0"/>
-                <a:t> </a:t>
-              </a:r>
-              <a:r>
-                <a:rPr lang="de-DE" dirty="0" err="1"/>
-                <a:t>voir</a:t>
-              </a:r>
-              <a:r>
-                <a:rPr lang="de-DE" dirty="0"/>
-                <a:t> </a:t>
-              </a:r>
-              <a:r>
-                <a:rPr lang="de-DE" dirty="0" err="1"/>
-                <a:t>question</a:t>
-              </a:r>
-              <a:r>
-                <a:rPr lang="de-DE" dirty="0"/>
-                <a:t> 15</a:t>
-              </a:r>
-            </a:p>
-            <a:p>
-              <a:pPr algn="ctr"/>
               <a:endParaRPr lang="de-DE" dirty="0"/>
             </a:p>
             <a:p>
@@ -4326,10 +4304,10 @@
       </p:grpSp>
       <p:grpSp>
         <p:nvGrpSpPr>
-          <p:cNvPr id="46" name="Groupe 45">
-            <a:extLst>
-              <a:ext uri="{FF2B5EF4-FFF2-40B4-BE49-F238E27FC236}">
-                <a16:creationId xmlns:a16="http://schemas.microsoft.com/office/drawing/2014/main" id="{8224FCC4-364C-4C7B-989F-D5B8A0D0A515}"/>
+          <p:cNvPr id="37" name="Groupe 36">
+            <a:extLst>
+              <a:ext uri="{FF2B5EF4-FFF2-40B4-BE49-F238E27FC236}">
+                <a16:creationId xmlns:a16="http://schemas.microsoft.com/office/drawing/2014/main" id="{BE2C9D5A-B61A-4EA3-BBE7-5DA947F72E7D}"/>
               </a:ext>
             </a:extLst>
           </p:cNvPr>
@@ -4338,18 +4316,18 @@
         </p:nvGrpSpPr>
         <p:grpSpPr>
           <a:xfrm>
-            <a:off x="3616960" y="2704009"/>
-            <a:ext cx="2204720" cy="1200329"/>
+            <a:off x="772156" y="3887230"/>
+            <a:ext cx="2204721" cy="646331"/>
             <a:chOff x="4419600" y="172720"/>
-            <a:chExt cx="2499360" cy="1200329"/>
+            <a:chExt cx="2499360" cy="1151044"/>
           </a:xfrm>
         </p:grpSpPr>
         <p:sp>
           <p:nvSpPr>
-            <p:cNvPr id="47" name="ZoneTexte 46">
+            <p:cNvPr id="39" name="ZoneTexte 38">
               <a:extLst>
                 <a:ext uri="{FF2B5EF4-FFF2-40B4-BE49-F238E27FC236}">
-                  <a16:creationId xmlns:a16="http://schemas.microsoft.com/office/drawing/2014/main" id="{9F0D6FCF-C8E4-473D-BB3E-390E9D7EF329}"/>
+                  <a16:creationId xmlns:a16="http://schemas.microsoft.com/office/drawing/2014/main" id="{F27FDE08-B89A-4E4D-AB79-66FFA68C25DC}"/>
                 </a:ext>
               </a:extLst>
             </p:cNvPr>
@@ -4359,7 +4337,7 @@
           <p:spPr>
             <a:xfrm>
               <a:off x="4419600" y="172720"/>
-              <a:ext cx="2499360" cy="1200329"/>
+              <a:ext cx="2499360" cy="1151044"/>
             </a:xfrm>
             <a:prstGeom prst="rect">
               <a:avLst/>
@@ -4376,17 +4354,10 @@
             <a:lstStyle/>
             <a:p>
               <a:pPr algn="ctr"/>
-              <a:endParaRPr lang="de-DE" dirty="0"/>
-            </a:p>
-            <a:p>
-              <a:pPr algn="ctr"/>
               <a:r>
-                <a:rPr lang="de-DE" dirty="0"/>
-                <a:t>Elektroautos</a:t>
+                <a:rPr lang="fr-FR" dirty="0" err="1"/>
+                <a:t>Brembo</a:t>
               </a:r>
-            </a:p>
-            <a:p>
-              <a:pPr algn="ctr"/>
               <a:endParaRPr lang="de-DE" dirty="0"/>
             </a:p>
             <a:p>
@@ -4396,10 +4367,10 @@
         </p:sp>
         <p:sp>
           <p:nvSpPr>
-            <p:cNvPr id="48" name="Rectangle 47">
+            <p:cNvPr id="40" name="Rectangle 39">
               <a:extLst>
                 <a:ext uri="{FF2B5EF4-FFF2-40B4-BE49-F238E27FC236}">
-                  <a16:creationId xmlns:a16="http://schemas.microsoft.com/office/drawing/2014/main" id="{B2A7C096-C70A-4338-BA51-0B823FBEBC0B}"/>
+                  <a16:creationId xmlns:a16="http://schemas.microsoft.com/office/drawing/2014/main" id="{B3C81BF5-FCD3-45CD-B556-B8F918706829}"/>
                 </a:ext>
               </a:extLst>
             </p:cNvPr>
@@ -4449,10 +4420,10 @@
       </p:grpSp>
       <p:grpSp>
         <p:nvGrpSpPr>
-          <p:cNvPr id="49" name="Groupe 48">
-            <a:extLst>
-              <a:ext uri="{FF2B5EF4-FFF2-40B4-BE49-F238E27FC236}">
-                <a16:creationId xmlns:a16="http://schemas.microsoft.com/office/drawing/2014/main" id="{AAC7CA88-1E1B-4CAA-8D83-C0C88C83BED3}"/>
+          <p:cNvPr id="41" name="Groupe 40">
+            <a:extLst>
+              <a:ext uri="{FF2B5EF4-FFF2-40B4-BE49-F238E27FC236}">
+                <a16:creationId xmlns:a16="http://schemas.microsoft.com/office/drawing/2014/main" id="{AD13CF09-5AEC-40FF-AAB2-0E61F8A774C4}"/>
               </a:ext>
             </a:extLst>
           </p:cNvPr>
@@ -4461,18 +4432,18 @@
         </p:nvGrpSpPr>
         <p:grpSpPr>
           <a:xfrm>
-            <a:off x="3616960" y="3710463"/>
-            <a:ext cx="2204720" cy="1200329"/>
+            <a:off x="772156" y="4551705"/>
+            <a:ext cx="2204721" cy="646331"/>
             <a:chOff x="4419600" y="172720"/>
-            <a:chExt cx="2499360" cy="1200329"/>
+            <a:chExt cx="2499360" cy="1151044"/>
           </a:xfrm>
         </p:grpSpPr>
         <p:sp>
           <p:nvSpPr>
-            <p:cNvPr id="50" name="ZoneTexte 49">
+            <p:cNvPr id="52" name="ZoneTexte 51">
               <a:extLst>
                 <a:ext uri="{FF2B5EF4-FFF2-40B4-BE49-F238E27FC236}">
-                  <a16:creationId xmlns:a16="http://schemas.microsoft.com/office/drawing/2014/main" id="{08F240CA-4348-4D98-A7C5-43650E963162}"/>
+                  <a16:creationId xmlns:a16="http://schemas.microsoft.com/office/drawing/2014/main" id="{BC4C0984-58CA-442C-A056-30C0A9D70D6C}"/>
                 </a:ext>
               </a:extLst>
             </p:cNvPr>
@@ -4482,7 +4453,7 @@
           <p:spPr>
             <a:xfrm>
               <a:off x="4419600" y="172720"/>
-              <a:ext cx="2499360" cy="1200329"/>
+              <a:ext cx="2499360" cy="1151044"/>
             </a:xfrm>
             <a:prstGeom prst="rect">
               <a:avLst/>
@@ -4499,17 +4470,10 @@
             <a:lstStyle/>
             <a:p>
               <a:pPr algn="ctr"/>
-              <a:endParaRPr lang="de-DE" dirty="0"/>
-            </a:p>
-            <a:p>
-              <a:pPr algn="ctr"/>
               <a:r>
-                <a:rPr lang="de-DE" dirty="0"/>
-                <a:t>Stromspeicher</a:t>
+                <a:rPr lang="fr-FR" dirty="0"/>
+                <a:t>Fisher Dynamics</a:t>
               </a:r>
-            </a:p>
-            <a:p>
-              <a:pPr algn="ctr"/>
               <a:endParaRPr lang="de-DE" dirty="0"/>
             </a:p>
             <a:p>
@@ -4519,10 +4483,10 @@
         </p:sp>
         <p:sp>
           <p:nvSpPr>
-            <p:cNvPr id="51" name="Rectangle 50">
+            <p:cNvPr id="53" name="Rectangle 52">
               <a:extLst>
                 <a:ext uri="{FF2B5EF4-FFF2-40B4-BE49-F238E27FC236}">
-                  <a16:creationId xmlns:a16="http://schemas.microsoft.com/office/drawing/2014/main" id="{F94749AC-3839-4E30-9163-FE37224EBD7C}"/>
+                  <a16:creationId xmlns:a16="http://schemas.microsoft.com/office/drawing/2014/main" id="{37065D38-BACB-4CFB-94AC-99B85E2205E0}"/>
                 </a:ext>
               </a:extLst>
             </p:cNvPr>
@@ -4572,10 +4536,10 @@
       </p:grpSp>
       <p:grpSp>
         <p:nvGrpSpPr>
-          <p:cNvPr id="55" name="Groupe 54">
-            <a:extLst>
-              <a:ext uri="{FF2B5EF4-FFF2-40B4-BE49-F238E27FC236}">
-                <a16:creationId xmlns:a16="http://schemas.microsoft.com/office/drawing/2014/main" id="{A34C0A43-E6B7-46F3-929E-B3422B7ACCAE}"/>
+          <p:cNvPr id="54" name="Groupe 53">
+            <a:extLst>
+              <a:ext uri="{FF2B5EF4-FFF2-40B4-BE49-F238E27FC236}">
+                <a16:creationId xmlns:a16="http://schemas.microsoft.com/office/drawing/2014/main" id="{726F6694-8F31-440F-B77C-7F69B6FCB80B}"/>
               </a:ext>
             </a:extLst>
           </p:cNvPr>
@@ -4584,18 +4548,18 @@
         </p:nvGrpSpPr>
         <p:grpSpPr>
           <a:xfrm>
-            <a:off x="3616960" y="4716917"/>
-            <a:ext cx="2204720" cy="1200329"/>
+            <a:off x="772155" y="5216180"/>
+            <a:ext cx="2204721" cy="646331"/>
             <a:chOff x="4419600" y="172720"/>
-            <a:chExt cx="2499360" cy="1200329"/>
+            <a:chExt cx="2499360" cy="1151044"/>
           </a:xfrm>
         </p:grpSpPr>
         <p:sp>
           <p:nvSpPr>
-            <p:cNvPr id="56" name="ZoneTexte 55">
+            <p:cNvPr id="58" name="ZoneTexte 57">
               <a:extLst>
                 <a:ext uri="{FF2B5EF4-FFF2-40B4-BE49-F238E27FC236}">
-                  <a16:creationId xmlns:a16="http://schemas.microsoft.com/office/drawing/2014/main" id="{B9E20D6A-2B17-4AB2-9697-BB5D4B41344B}"/>
+                  <a16:creationId xmlns:a16="http://schemas.microsoft.com/office/drawing/2014/main" id="{E67271C6-E33F-4625-8B4A-3C08E50EF811}"/>
                 </a:ext>
               </a:extLst>
             </p:cNvPr>
@@ -4605,7 +4569,7 @@
           <p:spPr>
             <a:xfrm>
               <a:off x="4419600" y="172720"/>
-              <a:ext cx="2499360" cy="1200329"/>
+              <a:ext cx="2499360" cy="1151044"/>
             </a:xfrm>
             <a:prstGeom prst="rect">
               <a:avLst/>
@@ -4622,17 +4586,18 @@
             <a:lstStyle/>
             <a:p>
               <a:pPr algn="ctr"/>
-              <a:endParaRPr lang="de-DE" dirty="0"/>
-            </a:p>
-            <a:p>
-              <a:pPr algn="ctr"/>
               <a:r>
-                <a:rPr lang="de-DE" dirty="0"/>
-                <a:t>Photovoltaikanlagen</a:t>
+                <a:rPr lang="fr-FR" dirty="0" err="1"/>
+                <a:t>Inteva</a:t>
               </a:r>
-            </a:p>
-            <a:p>
-              <a:pPr algn="ctr"/>
+              <a:r>
+                <a:rPr lang="fr-FR" dirty="0"/>
+                <a:t> </a:t>
+              </a:r>
+              <a:r>
+                <a:rPr lang="fr-FR" dirty="0" err="1"/>
+                <a:t>Products</a:t>
+              </a:r>
               <a:endParaRPr lang="de-DE" dirty="0"/>
             </a:p>
             <a:p>
@@ -4642,10 +4607,10 @@
         </p:sp>
         <p:sp>
           <p:nvSpPr>
-            <p:cNvPr id="57" name="Rectangle 56">
+            <p:cNvPr id="59" name="Rectangle 58">
               <a:extLst>
                 <a:ext uri="{FF2B5EF4-FFF2-40B4-BE49-F238E27FC236}">
-                  <a16:creationId xmlns:a16="http://schemas.microsoft.com/office/drawing/2014/main" id="{9E6E4B15-35E3-4482-A330-998656BF5902}"/>
+                  <a16:creationId xmlns:a16="http://schemas.microsoft.com/office/drawing/2014/main" id="{C7C5C31B-85B8-44AA-B5A0-0FAFE516C5AA}"/>
                 </a:ext>
               </a:extLst>
             </p:cNvPr>
@@ -4693,6 +4658,1411 @@
           </p:txBody>
         </p:sp>
       </p:grpSp>
+      <p:grpSp>
+        <p:nvGrpSpPr>
+          <p:cNvPr id="60" name="Groupe 59">
+            <a:extLst>
+              <a:ext uri="{FF2B5EF4-FFF2-40B4-BE49-F238E27FC236}">
+                <a16:creationId xmlns:a16="http://schemas.microsoft.com/office/drawing/2014/main" id="{CCD57B71-D19A-44F9-8BAF-DA98E5E08A34}"/>
+              </a:ext>
+            </a:extLst>
+          </p:cNvPr>
+          <p:cNvGrpSpPr/>
+          <p:nvPr/>
+        </p:nvGrpSpPr>
+        <p:grpSpPr>
+          <a:xfrm>
+            <a:off x="6532098" y="3223324"/>
+            <a:ext cx="2204721" cy="923330"/>
+            <a:chOff x="4419600" y="172720"/>
+            <a:chExt cx="2499360" cy="1644349"/>
+          </a:xfrm>
+        </p:grpSpPr>
+        <p:sp>
+          <p:nvSpPr>
+            <p:cNvPr id="61" name="ZoneTexte 60">
+              <a:extLst>
+                <a:ext uri="{FF2B5EF4-FFF2-40B4-BE49-F238E27FC236}">
+                  <a16:creationId xmlns:a16="http://schemas.microsoft.com/office/drawing/2014/main" id="{FF2A358A-FA86-4AAA-B8EB-F6D8187F7A47}"/>
+                </a:ext>
+              </a:extLst>
+            </p:cNvPr>
+            <p:cNvSpPr txBox="1"/>
+            <p:nvPr/>
+          </p:nvSpPr>
+          <p:spPr>
+            <a:xfrm>
+              <a:off x="4419600" y="172720"/>
+              <a:ext cx="2499360" cy="1644349"/>
+            </a:xfrm>
+            <a:prstGeom prst="rect">
+              <a:avLst/>
+            </a:prstGeom>
+            <a:noFill/>
+            <a:ln>
+              <a:noFill/>
+            </a:ln>
+          </p:spPr>
+          <p:txBody>
+            <a:bodyPr wrap="square" rtlCol="0">
+              <a:spAutoFit/>
+            </a:bodyPr>
+            <a:lstStyle/>
+            <a:p>
+              <a:pPr algn="ctr"/>
+              <a:r>
+                <a:rPr lang="de-DE" dirty="0"/>
+                <a:t>Elektroauto-Verkauf </a:t>
+              </a:r>
+            </a:p>
+            <a:p>
+              <a:pPr algn="ctr"/>
+              <a:r>
+                <a:rPr lang="de-DE" dirty="0"/>
+                <a:t>Ca. 100 000 in 2017</a:t>
+              </a:r>
+            </a:p>
+            <a:p>
+              <a:endParaRPr lang="en-GB" dirty="0"/>
+            </a:p>
+          </p:txBody>
+        </p:sp>
+        <p:sp>
+          <p:nvSpPr>
+            <p:cNvPr id="62" name="Rectangle 61">
+              <a:extLst>
+                <a:ext uri="{FF2B5EF4-FFF2-40B4-BE49-F238E27FC236}">
+                  <a16:creationId xmlns:a16="http://schemas.microsoft.com/office/drawing/2014/main" id="{301B9A69-19BE-4B1F-B47C-E20061B7EB5C}"/>
+                </a:ext>
+              </a:extLst>
+            </p:cNvPr>
+            <p:cNvSpPr/>
+            <p:nvPr/>
+          </p:nvSpPr>
+          <p:spPr>
+            <a:xfrm>
+              <a:off x="4490720" y="172720"/>
+              <a:ext cx="2428240" cy="1151043"/>
+            </a:xfrm>
+            <a:prstGeom prst="rect">
+              <a:avLst/>
+            </a:prstGeom>
+            <a:noFill/>
+            <a:ln w="28575">
+              <a:solidFill>
+                <a:schemeClr val="tx1"/>
+              </a:solidFill>
+            </a:ln>
+          </p:spPr>
+          <p:style>
+            <a:lnRef idx="2">
+              <a:schemeClr val="accent1">
+                <a:shade val="50000"/>
+              </a:schemeClr>
+            </a:lnRef>
+            <a:fillRef idx="1">
+              <a:schemeClr val="accent1"/>
+            </a:fillRef>
+            <a:effectRef idx="0">
+              <a:schemeClr val="accent1"/>
+            </a:effectRef>
+            <a:fontRef idx="minor">
+              <a:schemeClr val="lt1"/>
+            </a:fontRef>
+          </p:style>
+          <p:txBody>
+            <a:bodyPr rtlCol="0" anchor="ctr"/>
+            <a:lstStyle/>
+            <a:p>
+              <a:pPr algn="ctr"/>
+              <a:endParaRPr lang="de-DE"/>
+            </a:p>
+          </p:txBody>
+        </p:sp>
+      </p:grpSp>
+      <p:grpSp>
+        <p:nvGrpSpPr>
+          <p:cNvPr id="63" name="Groupe 62">
+            <a:extLst>
+              <a:ext uri="{FF2B5EF4-FFF2-40B4-BE49-F238E27FC236}">
+                <a16:creationId xmlns:a16="http://schemas.microsoft.com/office/drawing/2014/main" id="{58BAFED0-0387-4ECB-8EEE-65047246796E}"/>
+              </a:ext>
+            </a:extLst>
+          </p:cNvPr>
+          <p:cNvGrpSpPr/>
+          <p:nvPr/>
+        </p:nvGrpSpPr>
+        <p:grpSpPr>
+          <a:xfrm>
+            <a:off x="3652127" y="3887230"/>
+            <a:ext cx="2204721" cy="646331"/>
+            <a:chOff x="4419600" y="172720"/>
+            <a:chExt cx="2499360" cy="1151044"/>
+          </a:xfrm>
+        </p:grpSpPr>
+        <p:sp>
+          <p:nvSpPr>
+            <p:cNvPr id="64" name="ZoneTexte 63">
+              <a:extLst>
+                <a:ext uri="{FF2B5EF4-FFF2-40B4-BE49-F238E27FC236}">
+                  <a16:creationId xmlns:a16="http://schemas.microsoft.com/office/drawing/2014/main" id="{29F58551-7EDD-4BD5-8449-2B5EF65DBC99}"/>
+                </a:ext>
+              </a:extLst>
+            </p:cNvPr>
+            <p:cNvSpPr txBox="1"/>
+            <p:nvPr/>
+          </p:nvSpPr>
+          <p:spPr>
+            <a:xfrm>
+              <a:off x="4419600" y="172720"/>
+              <a:ext cx="2499360" cy="1151044"/>
+            </a:xfrm>
+            <a:prstGeom prst="rect">
+              <a:avLst/>
+            </a:prstGeom>
+            <a:noFill/>
+            <a:ln>
+              <a:noFill/>
+            </a:ln>
+          </p:spPr>
+          <p:txBody>
+            <a:bodyPr wrap="square" rtlCol="0">
+              <a:spAutoFit/>
+            </a:bodyPr>
+            <a:lstStyle/>
+            <a:p>
+              <a:pPr algn="ctr"/>
+              <a:r>
+                <a:rPr lang="de-DE" dirty="0"/>
+                <a:t>Stromspeicher</a:t>
+              </a:r>
+            </a:p>
+            <a:p>
+              <a:endParaRPr lang="en-GB" dirty="0"/>
+            </a:p>
+          </p:txBody>
+        </p:sp>
+        <p:sp>
+          <p:nvSpPr>
+            <p:cNvPr id="65" name="Rectangle 64">
+              <a:extLst>
+                <a:ext uri="{FF2B5EF4-FFF2-40B4-BE49-F238E27FC236}">
+                  <a16:creationId xmlns:a16="http://schemas.microsoft.com/office/drawing/2014/main" id="{26D3A962-5804-4842-8430-88D547157591}"/>
+                </a:ext>
+              </a:extLst>
+            </p:cNvPr>
+            <p:cNvSpPr/>
+            <p:nvPr/>
+          </p:nvSpPr>
+          <p:spPr>
+            <a:xfrm>
+              <a:off x="4490720" y="172720"/>
+              <a:ext cx="2428240" cy="802640"/>
+            </a:xfrm>
+            <a:prstGeom prst="rect">
+              <a:avLst/>
+            </a:prstGeom>
+            <a:noFill/>
+            <a:ln w="28575">
+              <a:solidFill>
+                <a:schemeClr val="tx1"/>
+              </a:solidFill>
+            </a:ln>
+          </p:spPr>
+          <p:style>
+            <a:lnRef idx="2">
+              <a:schemeClr val="accent1">
+                <a:shade val="50000"/>
+              </a:schemeClr>
+            </a:lnRef>
+            <a:fillRef idx="1">
+              <a:schemeClr val="accent1"/>
+            </a:fillRef>
+            <a:effectRef idx="0">
+              <a:schemeClr val="accent1"/>
+            </a:effectRef>
+            <a:fontRef idx="minor">
+              <a:schemeClr val="lt1"/>
+            </a:fontRef>
+          </p:style>
+          <p:txBody>
+            <a:bodyPr rtlCol="0" anchor="ctr"/>
+            <a:lstStyle/>
+            <a:p>
+              <a:pPr algn="ctr"/>
+              <a:endParaRPr lang="de-DE"/>
+            </a:p>
+          </p:txBody>
+        </p:sp>
+      </p:grpSp>
+      <p:grpSp>
+        <p:nvGrpSpPr>
+          <p:cNvPr id="66" name="Groupe 65">
+            <a:extLst>
+              <a:ext uri="{FF2B5EF4-FFF2-40B4-BE49-F238E27FC236}">
+                <a16:creationId xmlns:a16="http://schemas.microsoft.com/office/drawing/2014/main" id="{C9A466CD-FBBC-4831-8848-F4A31FAAC8FA}"/>
+              </a:ext>
+            </a:extLst>
+          </p:cNvPr>
+          <p:cNvGrpSpPr/>
+          <p:nvPr/>
+        </p:nvGrpSpPr>
+        <p:grpSpPr>
+          <a:xfrm>
+            <a:off x="3648326" y="4531409"/>
+            <a:ext cx="2204721" cy="646331"/>
+            <a:chOff x="4419600" y="172720"/>
+            <a:chExt cx="2499360" cy="1151044"/>
+          </a:xfrm>
+        </p:grpSpPr>
+        <p:sp>
+          <p:nvSpPr>
+            <p:cNvPr id="67" name="ZoneTexte 66">
+              <a:extLst>
+                <a:ext uri="{FF2B5EF4-FFF2-40B4-BE49-F238E27FC236}">
+                  <a16:creationId xmlns:a16="http://schemas.microsoft.com/office/drawing/2014/main" id="{9C250532-978E-4059-A782-D2F60573D6F1}"/>
+                </a:ext>
+              </a:extLst>
+            </p:cNvPr>
+            <p:cNvSpPr txBox="1"/>
+            <p:nvPr/>
+          </p:nvSpPr>
+          <p:spPr>
+            <a:xfrm>
+              <a:off x="4419600" y="172720"/>
+              <a:ext cx="2499360" cy="1151044"/>
+            </a:xfrm>
+            <a:prstGeom prst="rect">
+              <a:avLst/>
+            </a:prstGeom>
+            <a:noFill/>
+            <a:ln>
+              <a:noFill/>
+            </a:ln>
+          </p:spPr>
+          <p:txBody>
+            <a:bodyPr wrap="square" rtlCol="0">
+              <a:spAutoFit/>
+            </a:bodyPr>
+            <a:lstStyle/>
+            <a:p>
+              <a:pPr algn="ctr"/>
+              <a:r>
+                <a:rPr lang="de-DE" dirty="0"/>
+                <a:t>Photovoltaikanlagen</a:t>
+              </a:r>
+            </a:p>
+            <a:p>
+              <a:endParaRPr lang="en-GB" dirty="0"/>
+            </a:p>
+          </p:txBody>
+        </p:sp>
+        <p:sp>
+          <p:nvSpPr>
+            <p:cNvPr id="68" name="Rectangle 67">
+              <a:extLst>
+                <a:ext uri="{FF2B5EF4-FFF2-40B4-BE49-F238E27FC236}">
+                  <a16:creationId xmlns:a16="http://schemas.microsoft.com/office/drawing/2014/main" id="{6989F133-E937-485B-A35B-EAF574F416B7}"/>
+                </a:ext>
+              </a:extLst>
+            </p:cNvPr>
+            <p:cNvSpPr/>
+            <p:nvPr/>
+          </p:nvSpPr>
+          <p:spPr>
+            <a:xfrm>
+              <a:off x="4490720" y="172720"/>
+              <a:ext cx="2428240" cy="802640"/>
+            </a:xfrm>
+            <a:prstGeom prst="rect">
+              <a:avLst/>
+            </a:prstGeom>
+            <a:noFill/>
+            <a:ln w="28575">
+              <a:solidFill>
+                <a:schemeClr val="tx1"/>
+              </a:solidFill>
+            </a:ln>
+          </p:spPr>
+          <p:style>
+            <a:lnRef idx="2">
+              <a:schemeClr val="accent1">
+                <a:shade val="50000"/>
+              </a:schemeClr>
+            </a:lnRef>
+            <a:fillRef idx="1">
+              <a:schemeClr val="accent1"/>
+            </a:fillRef>
+            <a:effectRef idx="0">
+              <a:schemeClr val="accent1"/>
+            </a:effectRef>
+            <a:fontRef idx="minor">
+              <a:schemeClr val="lt1"/>
+            </a:fontRef>
+          </p:style>
+          <p:txBody>
+            <a:bodyPr rtlCol="0" anchor="ctr"/>
+            <a:lstStyle/>
+            <a:p>
+              <a:pPr algn="ctr"/>
+              <a:endParaRPr lang="de-DE"/>
+            </a:p>
+          </p:txBody>
+        </p:sp>
+      </p:grpSp>
+      <p:grpSp>
+        <p:nvGrpSpPr>
+          <p:cNvPr id="72" name="Groupe 71">
+            <a:extLst>
+              <a:ext uri="{FF2B5EF4-FFF2-40B4-BE49-F238E27FC236}">
+                <a16:creationId xmlns:a16="http://schemas.microsoft.com/office/drawing/2014/main" id="{E4E8B2F5-B974-46A5-88C1-8A9632B1319B}"/>
+              </a:ext>
+            </a:extLst>
+          </p:cNvPr>
+          <p:cNvGrpSpPr/>
+          <p:nvPr/>
+        </p:nvGrpSpPr>
+        <p:grpSpPr>
+          <a:xfrm>
+            <a:off x="3652514" y="3220745"/>
+            <a:ext cx="2204721" cy="646331"/>
+            <a:chOff x="4419600" y="172720"/>
+            <a:chExt cx="2499360" cy="1151044"/>
+          </a:xfrm>
+        </p:grpSpPr>
+        <p:sp>
+          <p:nvSpPr>
+            <p:cNvPr id="73" name="ZoneTexte 72">
+              <a:extLst>
+                <a:ext uri="{FF2B5EF4-FFF2-40B4-BE49-F238E27FC236}">
+                  <a16:creationId xmlns:a16="http://schemas.microsoft.com/office/drawing/2014/main" id="{05DFD204-6112-4302-99B2-FF7E8437F517}"/>
+                </a:ext>
+              </a:extLst>
+            </p:cNvPr>
+            <p:cNvSpPr txBox="1"/>
+            <p:nvPr/>
+          </p:nvSpPr>
+          <p:spPr>
+            <a:xfrm>
+              <a:off x="4419600" y="172720"/>
+              <a:ext cx="2499360" cy="1151044"/>
+            </a:xfrm>
+            <a:prstGeom prst="rect">
+              <a:avLst/>
+            </a:prstGeom>
+            <a:noFill/>
+            <a:ln>
+              <a:noFill/>
+            </a:ln>
+          </p:spPr>
+          <p:txBody>
+            <a:bodyPr wrap="square" rtlCol="0">
+              <a:spAutoFit/>
+            </a:bodyPr>
+            <a:lstStyle/>
+            <a:p>
+              <a:pPr algn="ctr"/>
+              <a:r>
+                <a:rPr lang="de-DE" dirty="0"/>
+                <a:t>Elektroautos</a:t>
+              </a:r>
+            </a:p>
+            <a:p>
+              <a:endParaRPr lang="en-GB" dirty="0"/>
+            </a:p>
+          </p:txBody>
+        </p:sp>
+        <p:sp>
+          <p:nvSpPr>
+            <p:cNvPr id="74" name="Rectangle 73">
+              <a:extLst>
+                <a:ext uri="{FF2B5EF4-FFF2-40B4-BE49-F238E27FC236}">
+                  <a16:creationId xmlns:a16="http://schemas.microsoft.com/office/drawing/2014/main" id="{437B0722-232D-49EC-885B-CDC52FEBFDFC}"/>
+                </a:ext>
+              </a:extLst>
+            </p:cNvPr>
+            <p:cNvSpPr/>
+            <p:nvPr/>
+          </p:nvSpPr>
+          <p:spPr>
+            <a:xfrm>
+              <a:off x="4490720" y="172720"/>
+              <a:ext cx="2428240" cy="802640"/>
+            </a:xfrm>
+            <a:prstGeom prst="rect">
+              <a:avLst/>
+            </a:prstGeom>
+            <a:noFill/>
+            <a:ln w="28575">
+              <a:solidFill>
+                <a:schemeClr val="tx1"/>
+              </a:solidFill>
+            </a:ln>
+          </p:spPr>
+          <p:style>
+            <a:lnRef idx="2">
+              <a:schemeClr val="accent1">
+                <a:shade val="50000"/>
+              </a:schemeClr>
+            </a:lnRef>
+            <a:fillRef idx="1">
+              <a:schemeClr val="accent1"/>
+            </a:fillRef>
+            <a:effectRef idx="0">
+              <a:schemeClr val="accent1"/>
+            </a:effectRef>
+            <a:fontRef idx="minor">
+              <a:schemeClr val="lt1"/>
+            </a:fontRef>
+          </p:style>
+          <p:txBody>
+            <a:bodyPr rtlCol="0" anchor="ctr"/>
+            <a:lstStyle/>
+            <a:p>
+              <a:pPr algn="ctr"/>
+              <a:endParaRPr lang="de-DE"/>
+            </a:p>
+          </p:txBody>
+        </p:sp>
+      </p:grpSp>
+      <p:grpSp>
+        <p:nvGrpSpPr>
+          <p:cNvPr id="84" name="Groupe 83">
+            <a:extLst>
+              <a:ext uri="{FF2B5EF4-FFF2-40B4-BE49-F238E27FC236}">
+                <a16:creationId xmlns:a16="http://schemas.microsoft.com/office/drawing/2014/main" id="{20E5DD11-FD3C-4B05-A3FD-54CCA873EBF6}"/>
+              </a:ext>
+            </a:extLst>
+          </p:cNvPr>
+          <p:cNvGrpSpPr/>
+          <p:nvPr/>
+        </p:nvGrpSpPr>
+        <p:grpSpPr>
+          <a:xfrm>
+            <a:off x="9407881" y="3887230"/>
+            <a:ext cx="2204721" cy="646331"/>
+            <a:chOff x="4419600" y="172720"/>
+            <a:chExt cx="2499360" cy="1151044"/>
+          </a:xfrm>
+        </p:grpSpPr>
+        <p:sp>
+          <p:nvSpPr>
+            <p:cNvPr id="85" name="ZoneTexte 84">
+              <a:extLst>
+                <a:ext uri="{FF2B5EF4-FFF2-40B4-BE49-F238E27FC236}">
+                  <a16:creationId xmlns:a16="http://schemas.microsoft.com/office/drawing/2014/main" id="{223BAA25-160B-45F7-B750-36363D5C23F5}"/>
+                </a:ext>
+              </a:extLst>
+            </p:cNvPr>
+            <p:cNvSpPr txBox="1"/>
+            <p:nvPr/>
+          </p:nvSpPr>
+          <p:spPr>
+            <a:xfrm>
+              <a:off x="4419600" y="172720"/>
+              <a:ext cx="2499360" cy="1151044"/>
+            </a:xfrm>
+            <a:prstGeom prst="rect">
+              <a:avLst/>
+            </a:prstGeom>
+            <a:noFill/>
+            <a:ln>
+              <a:noFill/>
+            </a:ln>
+          </p:spPr>
+          <p:txBody>
+            <a:bodyPr wrap="square" rtlCol="0">
+              <a:spAutoFit/>
+            </a:bodyPr>
+            <a:lstStyle/>
+            <a:p>
+              <a:pPr algn="ctr"/>
+              <a:r>
+                <a:rPr lang="de-DE" dirty="0"/>
+                <a:t>Privatfinanzierung</a:t>
+              </a:r>
+            </a:p>
+            <a:p>
+              <a:endParaRPr lang="en-GB" dirty="0"/>
+            </a:p>
+          </p:txBody>
+        </p:sp>
+        <p:sp>
+          <p:nvSpPr>
+            <p:cNvPr id="86" name="Rectangle 85">
+              <a:extLst>
+                <a:ext uri="{FF2B5EF4-FFF2-40B4-BE49-F238E27FC236}">
+                  <a16:creationId xmlns:a16="http://schemas.microsoft.com/office/drawing/2014/main" id="{88CED0AA-87DD-4F33-A498-23423E483D33}"/>
+                </a:ext>
+              </a:extLst>
+            </p:cNvPr>
+            <p:cNvSpPr/>
+            <p:nvPr/>
+          </p:nvSpPr>
+          <p:spPr>
+            <a:xfrm>
+              <a:off x="4490720" y="172720"/>
+              <a:ext cx="2428240" cy="802640"/>
+            </a:xfrm>
+            <a:prstGeom prst="rect">
+              <a:avLst/>
+            </a:prstGeom>
+            <a:noFill/>
+            <a:ln w="28575">
+              <a:solidFill>
+                <a:schemeClr val="tx1"/>
+              </a:solidFill>
+            </a:ln>
+          </p:spPr>
+          <p:style>
+            <a:lnRef idx="2">
+              <a:schemeClr val="accent1">
+                <a:shade val="50000"/>
+              </a:schemeClr>
+            </a:lnRef>
+            <a:fillRef idx="1">
+              <a:schemeClr val="accent1"/>
+            </a:fillRef>
+            <a:effectRef idx="0">
+              <a:schemeClr val="accent1"/>
+            </a:effectRef>
+            <a:fontRef idx="minor">
+              <a:schemeClr val="lt1"/>
+            </a:fontRef>
+          </p:style>
+          <p:txBody>
+            <a:bodyPr rtlCol="0" anchor="ctr"/>
+            <a:lstStyle/>
+            <a:p>
+              <a:pPr algn="ctr"/>
+              <a:endParaRPr lang="de-DE"/>
+            </a:p>
+          </p:txBody>
+        </p:sp>
+      </p:grpSp>
+      <p:grpSp>
+        <p:nvGrpSpPr>
+          <p:cNvPr id="90" name="Groupe 89">
+            <a:extLst>
+              <a:ext uri="{FF2B5EF4-FFF2-40B4-BE49-F238E27FC236}">
+                <a16:creationId xmlns:a16="http://schemas.microsoft.com/office/drawing/2014/main" id="{EB2C5DB8-0196-4044-A361-7B8B9B205061}"/>
+              </a:ext>
+            </a:extLst>
+          </p:cNvPr>
+          <p:cNvGrpSpPr/>
+          <p:nvPr/>
+        </p:nvGrpSpPr>
+        <p:grpSpPr>
+          <a:xfrm>
+            <a:off x="9408268" y="3220745"/>
+            <a:ext cx="2204721" cy="646331"/>
+            <a:chOff x="4419600" y="172720"/>
+            <a:chExt cx="2499360" cy="1151044"/>
+          </a:xfrm>
+        </p:grpSpPr>
+        <p:sp>
+          <p:nvSpPr>
+            <p:cNvPr id="91" name="ZoneTexte 90">
+              <a:extLst>
+                <a:ext uri="{FF2B5EF4-FFF2-40B4-BE49-F238E27FC236}">
+                  <a16:creationId xmlns:a16="http://schemas.microsoft.com/office/drawing/2014/main" id="{DE36F3AA-8D96-4A09-80B5-A978D6563D63}"/>
+                </a:ext>
+              </a:extLst>
+            </p:cNvPr>
+            <p:cNvSpPr txBox="1"/>
+            <p:nvPr/>
+          </p:nvSpPr>
+          <p:spPr>
+            <a:xfrm>
+              <a:off x="4419600" y="172720"/>
+              <a:ext cx="2499360" cy="1151044"/>
+            </a:xfrm>
+            <a:prstGeom prst="rect">
+              <a:avLst/>
+            </a:prstGeom>
+            <a:noFill/>
+            <a:ln>
+              <a:noFill/>
+            </a:ln>
+          </p:spPr>
+          <p:txBody>
+            <a:bodyPr wrap="square" rtlCol="0">
+              <a:spAutoFit/>
+            </a:bodyPr>
+            <a:lstStyle/>
+            <a:p>
+              <a:pPr algn="ctr"/>
+              <a:r>
+                <a:rPr lang="de-DE" dirty="0"/>
+                <a:t>Investoren</a:t>
+              </a:r>
+            </a:p>
+            <a:p>
+              <a:endParaRPr lang="en-GB" dirty="0"/>
+            </a:p>
+          </p:txBody>
+        </p:sp>
+        <p:sp>
+          <p:nvSpPr>
+            <p:cNvPr id="92" name="Rectangle 91">
+              <a:extLst>
+                <a:ext uri="{FF2B5EF4-FFF2-40B4-BE49-F238E27FC236}">
+                  <a16:creationId xmlns:a16="http://schemas.microsoft.com/office/drawing/2014/main" id="{96E2A761-99D0-47F4-86E0-7B4B6CA696F2}"/>
+                </a:ext>
+              </a:extLst>
+            </p:cNvPr>
+            <p:cNvSpPr/>
+            <p:nvPr/>
+          </p:nvSpPr>
+          <p:spPr>
+            <a:xfrm>
+              <a:off x="4490720" y="172720"/>
+              <a:ext cx="2428240" cy="802640"/>
+            </a:xfrm>
+            <a:prstGeom prst="rect">
+              <a:avLst/>
+            </a:prstGeom>
+            <a:noFill/>
+            <a:ln w="28575">
+              <a:solidFill>
+                <a:schemeClr val="tx1"/>
+              </a:solidFill>
+            </a:ln>
+          </p:spPr>
+          <p:style>
+            <a:lnRef idx="2">
+              <a:schemeClr val="accent1">
+                <a:shade val="50000"/>
+              </a:schemeClr>
+            </a:lnRef>
+            <a:fillRef idx="1">
+              <a:schemeClr val="accent1"/>
+            </a:fillRef>
+            <a:effectRef idx="0">
+              <a:schemeClr val="accent1"/>
+            </a:effectRef>
+            <a:fontRef idx="minor">
+              <a:schemeClr val="lt1"/>
+            </a:fontRef>
+          </p:style>
+          <p:txBody>
+            <a:bodyPr rtlCol="0" anchor="ctr"/>
+            <a:lstStyle/>
+            <a:p>
+              <a:pPr algn="ctr"/>
+              <a:endParaRPr lang="de-DE"/>
+            </a:p>
+          </p:txBody>
+        </p:sp>
+      </p:grpSp>
+      <p:grpSp>
+        <p:nvGrpSpPr>
+          <p:cNvPr id="102" name="Groupe 101">
+            <a:extLst>
+              <a:ext uri="{FF2B5EF4-FFF2-40B4-BE49-F238E27FC236}">
+                <a16:creationId xmlns:a16="http://schemas.microsoft.com/office/drawing/2014/main" id="{F7AAEFAC-600D-40A3-B655-944A1DC098C5}"/>
+              </a:ext>
+            </a:extLst>
+          </p:cNvPr>
+          <p:cNvGrpSpPr/>
+          <p:nvPr/>
+        </p:nvGrpSpPr>
+        <p:grpSpPr>
+          <a:xfrm>
+            <a:off x="6532689" y="4069744"/>
+            <a:ext cx="2204721" cy="923330"/>
+            <a:chOff x="4419600" y="172720"/>
+            <a:chExt cx="2499360" cy="1644349"/>
+          </a:xfrm>
+        </p:grpSpPr>
+        <p:sp>
+          <p:nvSpPr>
+            <p:cNvPr id="103" name="ZoneTexte 102">
+              <a:extLst>
+                <a:ext uri="{FF2B5EF4-FFF2-40B4-BE49-F238E27FC236}">
+                  <a16:creationId xmlns:a16="http://schemas.microsoft.com/office/drawing/2014/main" id="{35C96853-5F7E-4451-8ACC-312F4DF53042}"/>
+                </a:ext>
+              </a:extLst>
+            </p:cNvPr>
+            <p:cNvSpPr txBox="1"/>
+            <p:nvPr/>
+          </p:nvSpPr>
+          <p:spPr>
+            <a:xfrm>
+              <a:off x="4419600" y="172720"/>
+              <a:ext cx="2499360" cy="1644349"/>
+            </a:xfrm>
+            <a:prstGeom prst="rect">
+              <a:avLst/>
+            </a:prstGeom>
+            <a:noFill/>
+            <a:ln>
+              <a:noFill/>
+            </a:ln>
+          </p:spPr>
+          <p:txBody>
+            <a:bodyPr wrap="square" rtlCol="0">
+              <a:spAutoFit/>
+            </a:bodyPr>
+            <a:lstStyle/>
+            <a:p>
+              <a:pPr algn="ctr"/>
+              <a:r>
+                <a:rPr lang="de-DE" dirty="0"/>
+                <a:t>Powerpack und Powerwall 2</a:t>
+              </a:r>
+            </a:p>
+            <a:p>
+              <a:endParaRPr lang="en-GB" dirty="0"/>
+            </a:p>
+          </p:txBody>
+        </p:sp>
+        <p:sp>
+          <p:nvSpPr>
+            <p:cNvPr id="104" name="Rectangle 103">
+              <a:extLst>
+                <a:ext uri="{FF2B5EF4-FFF2-40B4-BE49-F238E27FC236}">
+                  <a16:creationId xmlns:a16="http://schemas.microsoft.com/office/drawing/2014/main" id="{2316AF7B-B116-4DC4-B481-2DABC30CBDDF}"/>
+                </a:ext>
+              </a:extLst>
+            </p:cNvPr>
+            <p:cNvSpPr/>
+            <p:nvPr/>
+          </p:nvSpPr>
+          <p:spPr>
+            <a:xfrm>
+              <a:off x="4490720" y="172720"/>
+              <a:ext cx="2428240" cy="1151043"/>
+            </a:xfrm>
+            <a:prstGeom prst="rect">
+              <a:avLst/>
+            </a:prstGeom>
+            <a:noFill/>
+            <a:ln w="28575">
+              <a:solidFill>
+                <a:schemeClr val="tx1"/>
+              </a:solidFill>
+            </a:ln>
+          </p:spPr>
+          <p:style>
+            <a:lnRef idx="2">
+              <a:schemeClr val="accent1">
+                <a:shade val="50000"/>
+              </a:schemeClr>
+            </a:lnRef>
+            <a:fillRef idx="1">
+              <a:schemeClr val="accent1"/>
+            </a:fillRef>
+            <a:effectRef idx="0">
+              <a:schemeClr val="accent1"/>
+            </a:effectRef>
+            <a:fontRef idx="minor">
+              <a:schemeClr val="lt1"/>
+            </a:fontRef>
+          </p:style>
+          <p:txBody>
+            <a:bodyPr rtlCol="0" anchor="ctr"/>
+            <a:lstStyle/>
+            <a:p>
+              <a:pPr algn="ctr"/>
+              <a:endParaRPr lang="de-DE"/>
+            </a:p>
+          </p:txBody>
+        </p:sp>
+      </p:grpSp>
+      <p:cxnSp>
+        <p:nvCxnSpPr>
+          <p:cNvPr id="105" name="Connecteur droit 104">
+            <a:extLst>
+              <a:ext uri="{FF2B5EF4-FFF2-40B4-BE49-F238E27FC236}">
+                <a16:creationId xmlns:a16="http://schemas.microsoft.com/office/drawing/2014/main" id="{27271CC9-F8CA-4C28-ADAD-C32337B09DEC}"/>
+              </a:ext>
+            </a:extLst>
+          </p:cNvPr>
+          <p:cNvCxnSpPr>
+            <a:cxnSpLocks/>
+          </p:cNvCxnSpPr>
+          <p:nvPr/>
+        </p:nvCxnSpPr>
+        <p:spPr>
+          <a:xfrm flipV="1">
+            <a:off x="667640" y="2825066"/>
+            <a:ext cx="20322" cy="2628000"/>
+          </a:xfrm>
+          <a:prstGeom prst="line">
+            <a:avLst/>
+          </a:prstGeom>
+          <a:ln w="28575"/>
+        </p:spPr>
+        <p:style>
+          <a:lnRef idx="1">
+            <a:schemeClr val="dk1"/>
+          </a:lnRef>
+          <a:fillRef idx="0">
+            <a:schemeClr val="dk1"/>
+          </a:fillRef>
+          <a:effectRef idx="0">
+            <a:schemeClr val="dk1"/>
+          </a:effectRef>
+          <a:fontRef idx="minor">
+            <a:schemeClr val="tx1"/>
+          </a:fontRef>
+        </p:style>
+      </p:cxnSp>
+      <p:cxnSp>
+        <p:nvCxnSpPr>
+          <p:cNvPr id="106" name="Connecteur droit 105">
+            <a:extLst>
+              <a:ext uri="{FF2B5EF4-FFF2-40B4-BE49-F238E27FC236}">
+                <a16:creationId xmlns:a16="http://schemas.microsoft.com/office/drawing/2014/main" id="{B9950FD2-CDC8-4355-BA5B-E60002A76E19}"/>
+              </a:ext>
+            </a:extLst>
+          </p:cNvPr>
+          <p:cNvCxnSpPr>
+            <a:cxnSpLocks/>
+            <a:stCxn id="59" idx="1"/>
+          </p:cNvCxnSpPr>
+          <p:nvPr/>
+        </p:nvCxnSpPr>
+        <p:spPr>
+          <a:xfrm flipH="1">
+            <a:off x="667640" y="5441528"/>
+            <a:ext cx="167251" cy="0"/>
+          </a:xfrm>
+          <a:prstGeom prst="line">
+            <a:avLst/>
+          </a:prstGeom>
+          <a:ln w="28575"/>
+        </p:spPr>
+        <p:style>
+          <a:lnRef idx="1">
+            <a:schemeClr val="dk1"/>
+          </a:lnRef>
+          <a:fillRef idx="0">
+            <a:schemeClr val="dk1"/>
+          </a:fillRef>
+          <a:effectRef idx="0">
+            <a:schemeClr val="dk1"/>
+          </a:effectRef>
+          <a:fontRef idx="minor">
+            <a:schemeClr val="tx1"/>
+          </a:fontRef>
+        </p:style>
+      </p:cxnSp>
+      <p:cxnSp>
+        <p:nvCxnSpPr>
+          <p:cNvPr id="107" name="Connecteur droit 106">
+            <a:extLst>
+              <a:ext uri="{FF2B5EF4-FFF2-40B4-BE49-F238E27FC236}">
+                <a16:creationId xmlns:a16="http://schemas.microsoft.com/office/drawing/2014/main" id="{A100FB8A-845F-4B08-A76D-BBA0E88E96EF}"/>
+              </a:ext>
+            </a:extLst>
+          </p:cNvPr>
+          <p:cNvCxnSpPr>
+            <a:cxnSpLocks/>
+          </p:cNvCxnSpPr>
+          <p:nvPr/>
+        </p:nvCxnSpPr>
+        <p:spPr>
+          <a:xfrm flipH="1">
+            <a:off x="667639" y="4777053"/>
+            <a:ext cx="167251" cy="0"/>
+          </a:xfrm>
+          <a:prstGeom prst="line">
+            <a:avLst/>
+          </a:prstGeom>
+          <a:ln w="28575"/>
+        </p:spPr>
+        <p:style>
+          <a:lnRef idx="1">
+            <a:schemeClr val="dk1"/>
+          </a:lnRef>
+          <a:fillRef idx="0">
+            <a:schemeClr val="dk1"/>
+          </a:fillRef>
+          <a:effectRef idx="0">
+            <a:schemeClr val="dk1"/>
+          </a:effectRef>
+          <a:fontRef idx="minor">
+            <a:schemeClr val="tx1"/>
+          </a:fontRef>
+        </p:style>
+      </p:cxnSp>
+      <p:cxnSp>
+        <p:nvCxnSpPr>
+          <p:cNvPr id="108" name="Connecteur droit 107">
+            <a:extLst>
+              <a:ext uri="{FF2B5EF4-FFF2-40B4-BE49-F238E27FC236}">
+                <a16:creationId xmlns:a16="http://schemas.microsoft.com/office/drawing/2014/main" id="{A838D55D-A49B-4BB0-8865-87A14F9D780D}"/>
+              </a:ext>
+            </a:extLst>
+          </p:cNvPr>
+          <p:cNvCxnSpPr>
+            <a:cxnSpLocks/>
+          </p:cNvCxnSpPr>
+          <p:nvPr/>
+        </p:nvCxnSpPr>
+        <p:spPr>
+          <a:xfrm flipH="1">
+            <a:off x="687962" y="4112578"/>
+            <a:ext cx="146928" cy="0"/>
+          </a:xfrm>
+          <a:prstGeom prst="line">
+            <a:avLst/>
+          </a:prstGeom>
+          <a:ln w="28575"/>
+        </p:spPr>
+        <p:style>
+          <a:lnRef idx="1">
+            <a:schemeClr val="dk1"/>
+          </a:lnRef>
+          <a:fillRef idx="0">
+            <a:schemeClr val="dk1"/>
+          </a:fillRef>
+          <a:effectRef idx="0">
+            <a:schemeClr val="dk1"/>
+          </a:effectRef>
+          <a:fontRef idx="minor">
+            <a:schemeClr val="tx1"/>
+          </a:fontRef>
+        </p:style>
+      </p:cxnSp>
+      <p:cxnSp>
+        <p:nvCxnSpPr>
+          <p:cNvPr id="109" name="Connecteur droit 108">
+            <a:extLst>
+              <a:ext uri="{FF2B5EF4-FFF2-40B4-BE49-F238E27FC236}">
+                <a16:creationId xmlns:a16="http://schemas.microsoft.com/office/drawing/2014/main" id="{2A458DDE-1E50-4607-BF3A-D023E1D1F9F0}"/>
+              </a:ext>
+            </a:extLst>
+          </p:cNvPr>
+          <p:cNvCxnSpPr>
+            <a:cxnSpLocks/>
+            <a:stCxn id="45" idx="1"/>
+          </p:cNvCxnSpPr>
+          <p:nvPr/>
+        </p:nvCxnSpPr>
+        <p:spPr>
+          <a:xfrm flipH="1">
+            <a:off x="687962" y="3448103"/>
+            <a:ext cx="146931" cy="0"/>
+          </a:xfrm>
+          <a:prstGeom prst="line">
+            <a:avLst/>
+          </a:prstGeom>
+          <a:ln w="28575"/>
+        </p:spPr>
+        <p:style>
+          <a:lnRef idx="1">
+            <a:schemeClr val="dk1"/>
+          </a:lnRef>
+          <a:fillRef idx="0">
+            <a:schemeClr val="dk1"/>
+          </a:fillRef>
+          <a:effectRef idx="0">
+            <a:schemeClr val="dk1"/>
+          </a:effectRef>
+          <a:fontRef idx="minor">
+            <a:schemeClr val="tx1"/>
+          </a:fontRef>
+        </p:style>
+      </p:cxnSp>
+      <p:cxnSp>
+        <p:nvCxnSpPr>
+          <p:cNvPr id="110" name="Connecteur droit 109">
+            <a:extLst>
+              <a:ext uri="{FF2B5EF4-FFF2-40B4-BE49-F238E27FC236}">
+                <a16:creationId xmlns:a16="http://schemas.microsoft.com/office/drawing/2014/main" id="{990AC7DA-E102-4E8A-B66B-5D9BCCA62D9D}"/>
+              </a:ext>
+            </a:extLst>
+          </p:cNvPr>
+          <p:cNvCxnSpPr>
+            <a:cxnSpLocks/>
+          </p:cNvCxnSpPr>
+          <p:nvPr/>
+        </p:nvCxnSpPr>
+        <p:spPr>
+          <a:xfrm flipV="1">
+            <a:off x="3553972" y="2825069"/>
+            <a:ext cx="0" cy="1944000"/>
+          </a:xfrm>
+          <a:prstGeom prst="line">
+            <a:avLst/>
+          </a:prstGeom>
+          <a:ln w="28575"/>
+        </p:spPr>
+        <p:style>
+          <a:lnRef idx="1">
+            <a:schemeClr val="dk1"/>
+          </a:lnRef>
+          <a:fillRef idx="0">
+            <a:schemeClr val="dk1"/>
+          </a:fillRef>
+          <a:effectRef idx="0">
+            <a:schemeClr val="dk1"/>
+          </a:effectRef>
+          <a:fontRef idx="minor">
+            <a:schemeClr val="tx1"/>
+          </a:fontRef>
+        </p:style>
+      </p:cxnSp>
+      <p:cxnSp>
+        <p:nvCxnSpPr>
+          <p:cNvPr id="111" name="Connecteur droit 110">
+            <a:extLst>
+              <a:ext uri="{FF2B5EF4-FFF2-40B4-BE49-F238E27FC236}">
+                <a16:creationId xmlns:a16="http://schemas.microsoft.com/office/drawing/2014/main" id="{4002E2DC-6E7D-476D-9F69-8D3FE8D0A62A}"/>
+              </a:ext>
+            </a:extLst>
+          </p:cNvPr>
+          <p:cNvCxnSpPr>
+            <a:cxnSpLocks/>
+            <a:endCxn id="68" idx="1"/>
+          </p:cNvCxnSpPr>
+          <p:nvPr/>
+        </p:nvCxnSpPr>
+        <p:spPr>
+          <a:xfrm>
+            <a:off x="3553972" y="4756757"/>
+            <a:ext cx="157090" cy="0"/>
+          </a:xfrm>
+          <a:prstGeom prst="line">
+            <a:avLst/>
+          </a:prstGeom>
+          <a:ln w="28575"/>
+        </p:spPr>
+        <p:style>
+          <a:lnRef idx="1">
+            <a:schemeClr val="dk1"/>
+          </a:lnRef>
+          <a:fillRef idx="0">
+            <a:schemeClr val="dk1"/>
+          </a:fillRef>
+          <a:effectRef idx="0">
+            <a:schemeClr val="dk1"/>
+          </a:effectRef>
+          <a:fontRef idx="minor">
+            <a:schemeClr val="tx1"/>
+          </a:fontRef>
+        </p:style>
+      </p:cxnSp>
+      <p:cxnSp>
+        <p:nvCxnSpPr>
+          <p:cNvPr id="112" name="Connecteur droit 111">
+            <a:extLst>
+              <a:ext uri="{FF2B5EF4-FFF2-40B4-BE49-F238E27FC236}">
+                <a16:creationId xmlns:a16="http://schemas.microsoft.com/office/drawing/2014/main" id="{CAEE1A63-84AA-4CE8-8D33-CF3D9604BC74}"/>
+              </a:ext>
+            </a:extLst>
+          </p:cNvPr>
+          <p:cNvCxnSpPr>
+            <a:cxnSpLocks/>
+            <a:endCxn id="65" idx="1"/>
+          </p:cNvCxnSpPr>
+          <p:nvPr/>
+        </p:nvCxnSpPr>
+        <p:spPr>
+          <a:xfrm>
+            <a:off x="3554564" y="4112578"/>
+            <a:ext cx="160299" cy="0"/>
+          </a:xfrm>
+          <a:prstGeom prst="line">
+            <a:avLst/>
+          </a:prstGeom>
+          <a:ln w="28575"/>
+        </p:spPr>
+        <p:style>
+          <a:lnRef idx="1">
+            <a:schemeClr val="dk1"/>
+          </a:lnRef>
+          <a:fillRef idx="0">
+            <a:schemeClr val="dk1"/>
+          </a:fillRef>
+          <a:effectRef idx="0">
+            <a:schemeClr val="dk1"/>
+          </a:effectRef>
+          <a:fontRef idx="minor">
+            <a:schemeClr val="tx1"/>
+          </a:fontRef>
+        </p:style>
+      </p:cxnSp>
+      <p:cxnSp>
+        <p:nvCxnSpPr>
+          <p:cNvPr id="115" name="Connecteur droit 114">
+            <a:extLst>
+              <a:ext uri="{FF2B5EF4-FFF2-40B4-BE49-F238E27FC236}">
+                <a16:creationId xmlns:a16="http://schemas.microsoft.com/office/drawing/2014/main" id="{5B120887-6AD5-448B-B290-CB65E1076DD3}"/>
+              </a:ext>
+            </a:extLst>
+          </p:cNvPr>
+          <p:cNvCxnSpPr>
+            <a:cxnSpLocks/>
+            <a:endCxn id="74" idx="1"/>
+          </p:cNvCxnSpPr>
+          <p:nvPr/>
+        </p:nvCxnSpPr>
+        <p:spPr>
+          <a:xfrm>
+            <a:off x="3553972" y="3446093"/>
+            <a:ext cx="161278" cy="0"/>
+          </a:xfrm>
+          <a:prstGeom prst="line">
+            <a:avLst/>
+          </a:prstGeom>
+          <a:ln w="28575"/>
+        </p:spPr>
+        <p:style>
+          <a:lnRef idx="1">
+            <a:schemeClr val="dk1"/>
+          </a:lnRef>
+          <a:fillRef idx="0">
+            <a:schemeClr val="dk1"/>
+          </a:fillRef>
+          <a:effectRef idx="0">
+            <a:schemeClr val="dk1"/>
+          </a:effectRef>
+          <a:fontRef idx="minor">
+            <a:schemeClr val="tx1"/>
+          </a:fontRef>
+        </p:style>
+      </p:cxnSp>
+      <p:cxnSp>
+        <p:nvCxnSpPr>
+          <p:cNvPr id="119" name="Connecteur droit 118">
+            <a:extLst>
+              <a:ext uri="{FF2B5EF4-FFF2-40B4-BE49-F238E27FC236}">
+                <a16:creationId xmlns:a16="http://schemas.microsoft.com/office/drawing/2014/main" id="{C66C998B-D7C2-40F7-9F8F-9D9BA3E6B916}"/>
+              </a:ext>
+            </a:extLst>
+          </p:cNvPr>
+          <p:cNvCxnSpPr>
+            <a:cxnSpLocks/>
+          </p:cNvCxnSpPr>
+          <p:nvPr/>
+        </p:nvCxnSpPr>
+        <p:spPr>
+          <a:xfrm flipV="1">
+            <a:off x="6434332" y="2812757"/>
+            <a:ext cx="0" cy="1596000"/>
+          </a:xfrm>
+          <a:prstGeom prst="line">
+            <a:avLst/>
+          </a:prstGeom>
+          <a:ln w="28575"/>
+        </p:spPr>
+        <p:style>
+          <a:lnRef idx="1">
+            <a:schemeClr val="dk1"/>
+          </a:lnRef>
+          <a:fillRef idx="0">
+            <a:schemeClr val="dk1"/>
+          </a:fillRef>
+          <a:effectRef idx="0">
+            <a:schemeClr val="dk1"/>
+          </a:effectRef>
+          <a:fontRef idx="minor">
+            <a:schemeClr val="tx1"/>
+          </a:fontRef>
+        </p:style>
+      </p:cxnSp>
+      <p:cxnSp>
+        <p:nvCxnSpPr>
+          <p:cNvPr id="120" name="Connecteur droit 119">
+            <a:extLst>
+              <a:ext uri="{FF2B5EF4-FFF2-40B4-BE49-F238E27FC236}">
+                <a16:creationId xmlns:a16="http://schemas.microsoft.com/office/drawing/2014/main" id="{42127C2E-1421-4545-A2DD-FC0572788088}"/>
+              </a:ext>
+            </a:extLst>
+          </p:cNvPr>
+          <p:cNvCxnSpPr>
+            <a:cxnSpLocks/>
+          </p:cNvCxnSpPr>
+          <p:nvPr/>
+        </p:nvCxnSpPr>
+        <p:spPr>
+          <a:xfrm>
+            <a:off x="6434332" y="4392909"/>
+            <a:ext cx="160502" cy="0"/>
+          </a:xfrm>
+          <a:prstGeom prst="line">
+            <a:avLst/>
+          </a:prstGeom>
+          <a:ln w="28575"/>
+        </p:spPr>
+        <p:style>
+          <a:lnRef idx="1">
+            <a:schemeClr val="dk1"/>
+          </a:lnRef>
+          <a:fillRef idx="0">
+            <a:schemeClr val="dk1"/>
+          </a:fillRef>
+          <a:effectRef idx="0">
+            <a:schemeClr val="dk1"/>
+          </a:effectRef>
+          <a:fontRef idx="minor">
+            <a:schemeClr val="tx1"/>
+          </a:fontRef>
+        </p:style>
+      </p:cxnSp>
+      <p:cxnSp>
+        <p:nvCxnSpPr>
+          <p:cNvPr id="123" name="Connecteur droit 122">
+            <a:extLst>
+              <a:ext uri="{FF2B5EF4-FFF2-40B4-BE49-F238E27FC236}">
+                <a16:creationId xmlns:a16="http://schemas.microsoft.com/office/drawing/2014/main" id="{A98162F1-12E7-4B77-B225-090ABB36B771}"/>
+              </a:ext>
+            </a:extLst>
+          </p:cNvPr>
+          <p:cNvCxnSpPr>
+            <a:cxnSpLocks/>
+            <a:endCxn id="62" idx="1"/>
+          </p:cNvCxnSpPr>
+          <p:nvPr/>
+        </p:nvCxnSpPr>
+        <p:spPr>
+          <a:xfrm>
+            <a:off x="6438133" y="3543910"/>
+            <a:ext cx="156701" cy="2579"/>
+          </a:xfrm>
+          <a:prstGeom prst="line">
+            <a:avLst/>
+          </a:prstGeom>
+          <a:ln w="28575"/>
+        </p:spPr>
+        <p:style>
+          <a:lnRef idx="1">
+            <a:schemeClr val="dk1"/>
+          </a:lnRef>
+          <a:fillRef idx="0">
+            <a:schemeClr val="dk1"/>
+          </a:fillRef>
+          <a:effectRef idx="0">
+            <a:schemeClr val="dk1"/>
+          </a:effectRef>
+          <a:fontRef idx="minor">
+            <a:schemeClr val="tx1"/>
+          </a:fontRef>
+        </p:style>
+      </p:cxnSp>
+      <p:cxnSp>
+        <p:nvCxnSpPr>
+          <p:cNvPr id="127" name="Connecteur droit 126">
+            <a:extLst>
+              <a:ext uri="{FF2B5EF4-FFF2-40B4-BE49-F238E27FC236}">
+                <a16:creationId xmlns:a16="http://schemas.microsoft.com/office/drawing/2014/main" id="{93D35AD2-E7A7-43C4-BB96-EACC2DBB1FDC}"/>
+              </a:ext>
+            </a:extLst>
+          </p:cNvPr>
+          <p:cNvCxnSpPr>
+            <a:cxnSpLocks/>
+          </p:cNvCxnSpPr>
+          <p:nvPr/>
+        </p:nvCxnSpPr>
+        <p:spPr>
+          <a:xfrm flipV="1">
+            <a:off x="9329932" y="2812757"/>
+            <a:ext cx="0" cy="1296000"/>
+          </a:xfrm>
+          <a:prstGeom prst="line">
+            <a:avLst/>
+          </a:prstGeom>
+          <a:ln w="28575"/>
+        </p:spPr>
+        <p:style>
+          <a:lnRef idx="1">
+            <a:schemeClr val="dk1"/>
+          </a:lnRef>
+          <a:fillRef idx="0">
+            <a:schemeClr val="dk1"/>
+          </a:fillRef>
+          <a:effectRef idx="0">
+            <a:schemeClr val="dk1"/>
+          </a:effectRef>
+          <a:fontRef idx="minor">
+            <a:schemeClr val="tx1"/>
+          </a:fontRef>
+        </p:style>
+      </p:cxnSp>
+      <p:cxnSp>
+        <p:nvCxnSpPr>
+          <p:cNvPr id="128" name="Connecteur droit 127">
+            <a:extLst>
+              <a:ext uri="{FF2B5EF4-FFF2-40B4-BE49-F238E27FC236}">
+                <a16:creationId xmlns:a16="http://schemas.microsoft.com/office/drawing/2014/main" id="{DB2FC3C2-F013-4D6C-B0EF-22E4BA824612}"/>
+              </a:ext>
+            </a:extLst>
+          </p:cNvPr>
+          <p:cNvCxnSpPr>
+            <a:cxnSpLocks/>
+            <a:endCxn id="92" idx="1"/>
+          </p:cNvCxnSpPr>
+          <p:nvPr/>
+        </p:nvCxnSpPr>
+        <p:spPr>
+          <a:xfrm>
+            <a:off x="9329932" y="3446093"/>
+            <a:ext cx="141072" cy="0"/>
+          </a:xfrm>
+          <a:prstGeom prst="line">
+            <a:avLst/>
+          </a:prstGeom>
+          <a:ln w="28575"/>
+        </p:spPr>
+        <p:style>
+          <a:lnRef idx="1">
+            <a:schemeClr val="dk1"/>
+          </a:lnRef>
+          <a:fillRef idx="0">
+            <a:schemeClr val="dk1"/>
+          </a:fillRef>
+          <a:effectRef idx="0">
+            <a:schemeClr val="dk1"/>
+          </a:effectRef>
+          <a:fontRef idx="minor">
+            <a:schemeClr val="tx1"/>
+          </a:fontRef>
+        </p:style>
+      </p:cxnSp>
+      <p:cxnSp>
+        <p:nvCxnSpPr>
+          <p:cNvPr id="131" name="Connecteur droit 130">
+            <a:extLst>
+              <a:ext uri="{FF2B5EF4-FFF2-40B4-BE49-F238E27FC236}">
+                <a16:creationId xmlns:a16="http://schemas.microsoft.com/office/drawing/2014/main" id="{E51D2398-D5F9-4E0E-B492-FD085FBB12CA}"/>
+              </a:ext>
+            </a:extLst>
+          </p:cNvPr>
+          <p:cNvCxnSpPr>
+            <a:cxnSpLocks/>
+            <a:endCxn id="86" idx="1"/>
+          </p:cNvCxnSpPr>
+          <p:nvPr/>
+        </p:nvCxnSpPr>
+        <p:spPr>
+          <a:xfrm>
+            <a:off x="9329932" y="4112578"/>
+            <a:ext cx="140685" cy="0"/>
+          </a:xfrm>
+          <a:prstGeom prst="line">
+            <a:avLst/>
+          </a:prstGeom>
+          <a:ln w="28575"/>
+        </p:spPr>
+        <p:style>
+          <a:lnRef idx="1">
+            <a:schemeClr val="dk1"/>
+          </a:lnRef>
+          <a:fillRef idx="0">
+            <a:schemeClr val="dk1"/>
+          </a:fillRef>
+          <a:effectRef idx="0">
+            <a:schemeClr val="dk1"/>
+          </a:effectRef>
+          <a:fontRef idx="minor">
+            <a:schemeClr val="tx1"/>
+          </a:fontRef>
+        </p:style>
+      </p:cxnSp>
     </p:spTree>
     <p:extLst>
       <p:ext uri="{BB962C8B-B14F-4D97-AF65-F5344CB8AC3E}">

--- a/Annexes/Frage 14 Graphique.pptx
+++ b/Annexes/Frage 14 Graphique.pptx
@@ -5,7 +5,8 @@
     <p:sldMasterId id="2147483648" r:id="rId1"/>
   </p:sldMasterIdLst>
   <p:sldIdLst>
-    <p:sldId id="256" r:id="rId2"/>
+    <p:sldId id="257" r:id="rId2"/>
+    <p:sldId id="256" r:id="rId3"/>
   </p:sldIdLst>
   <p:sldSz cx="12192000" cy="6858000"/>
   <p:notesSz cx="6858000" cy="9144000"/>
@@ -261,7 +262,7 @@
           <a:p>
             <a:fld id="{FA87D901-07B8-4C3B-A774-ECFB180F1F6E}" type="datetimeFigureOut">
               <a:rPr lang="en-GB" smtClean="0"/>
-              <a:t>11/04/2018</a:t>
+              <a:t>14/04/2018</a:t>
             </a:fld>
             <a:endParaRPr lang="en-GB"/>
           </a:p>
@@ -461,7 +462,7 @@
           <a:p>
             <a:fld id="{FA87D901-07B8-4C3B-A774-ECFB180F1F6E}" type="datetimeFigureOut">
               <a:rPr lang="en-GB" smtClean="0"/>
-              <a:t>11/04/2018</a:t>
+              <a:t>14/04/2018</a:t>
             </a:fld>
             <a:endParaRPr lang="en-GB"/>
           </a:p>
@@ -671,7 +672,7 @@
           <a:p>
             <a:fld id="{FA87D901-07B8-4C3B-A774-ECFB180F1F6E}" type="datetimeFigureOut">
               <a:rPr lang="en-GB" smtClean="0"/>
-              <a:t>11/04/2018</a:t>
+              <a:t>14/04/2018</a:t>
             </a:fld>
             <a:endParaRPr lang="en-GB"/>
           </a:p>
@@ -871,7 +872,7 @@
           <a:p>
             <a:fld id="{FA87D901-07B8-4C3B-A774-ECFB180F1F6E}" type="datetimeFigureOut">
               <a:rPr lang="en-GB" smtClean="0"/>
-              <a:t>11/04/2018</a:t>
+              <a:t>14/04/2018</a:t>
             </a:fld>
             <a:endParaRPr lang="en-GB"/>
           </a:p>
@@ -1147,7 +1148,7 @@
           <a:p>
             <a:fld id="{FA87D901-07B8-4C3B-A774-ECFB180F1F6E}" type="datetimeFigureOut">
               <a:rPr lang="en-GB" smtClean="0"/>
-              <a:t>11/04/2018</a:t>
+              <a:t>14/04/2018</a:t>
             </a:fld>
             <a:endParaRPr lang="en-GB"/>
           </a:p>
@@ -1415,7 +1416,7 @@
           <a:p>
             <a:fld id="{FA87D901-07B8-4C3B-A774-ECFB180F1F6E}" type="datetimeFigureOut">
               <a:rPr lang="en-GB" smtClean="0"/>
-              <a:t>11/04/2018</a:t>
+              <a:t>14/04/2018</a:t>
             </a:fld>
             <a:endParaRPr lang="en-GB"/>
           </a:p>
@@ -1830,7 +1831,7 @@
           <a:p>
             <a:fld id="{FA87D901-07B8-4C3B-A774-ECFB180F1F6E}" type="datetimeFigureOut">
               <a:rPr lang="en-GB" smtClean="0"/>
-              <a:t>11/04/2018</a:t>
+              <a:t>14/04/2018</a:t>
             </a:fld>
             <a:endParaRPr lang="en-GB"/>
           </a:p>
@@ -1972,7 +1973,7 @@
           <a:p>
             <a:fld id="{FA87D901-07B8-4C3B-A774-ECFB180F1F6E}" type="datetimeFigureOut">
               <a:rPr lang="en-GB" smtClean="0"/>
-              <a:t>11/04/2018</a:t>
+              <a:t>14/04/2018</a:t>
             </a:fld>
             <a:endParaRPr lang="en-GB"/>
           </a:p>
@@ -2085,7 +2086,7 @@
           <a:p>
             <a:fld id="{FA87D901-07B8-4C3B-A774-ECFB180F1F6E}" type="datetimeFigureOut">
               <a:rPr lang="en-GB" smtClean="0"/>
-              <a:t>11/04/2018</a:t>
+              <a:t>14/04/2018</a:t>
             </a:fld>
             <a:endParaRPr lang="en-GB"/>
           </a:p>
@@ -2398,7 +2399,7 @@
           <a:p>
             <a:fld id="{FA87D901-07B8-4C3B-A774-ECFB180F1F6E}" type="datetimeFigureOut">
               <a:rPr lang="en-GB" smtClean="0"/>
-              <a:t>11/04/2018</a:t>
+              <a:t>14/04/2018</a:t>
             </a:fld>
             <a:endParaRPr lang="en-GB"/>
           </a:p>
@@ -2687,7 +2688,7 @@
           <a:p>
             <a:fld id="{FA87D901-07B8-4C3B-A774-ECFB180F1F6E}" type="datetimeFigureOut">
               <a:rPr lang="en-GB" smtClean="0"/>
-              <a:t>11/04/2018</a:t>
+              <a:t>14/04/2018</a:t>
             </a:fld>
             <a:endParaRPr lang="en-GB"/>
           </a:p>
@@ -2930,7 +2931,7 @@
           <a:p>
             <a:fld id="{FA87D901-07B8-4C3B-A774-ECFB180F1F6E}" type="datetimeFigureOut">
               <a:rPr lang="en-GB" smtClean="0"/>
-              <a:t>11/04/2018</a:t>
+              <a:t>14/04/2018</a:t>
             </a:fld>
             <a:endParaRPr lang="en-GB"/>
           </a:p>
@@ -3349,6 +3350,2632 @@
       </p:grpSpPr>
       <p:grpSp>
         <p:nvGrpSpPr>
+          <p:cNvPr id="6" name="Groupe 5">
+            <a:extLst>
+              <a:ext uri="{FF2B5EF4-FFF2-40B4-BE49-F238E27FC236}">
+                <a16:creationId xmlns:a16="http://schemas.microsoft.com/office/drawing/2014/main" id="{F9A99E51-DF4E-4E06-9E5E-1E5FB4452A09}"/>
+              </a:ext>
+            </a:extLst>
+          </p:cNvPr>
+          <p:cNvGrpSpPr/>
+          <p:nvPr/>
+        </p:nvGrpSpPr>
+        <p:grpSpPr>
+          <a:xfrm rot="19854934">
+            <a:off x="192902" y="700197"/>
+            <a:ext cx="2329962" cy="439615"/>
+            <a:chOff x="2470639" y="501162"/>
+            <a:chExt cx="2329962" cy="439615"/>
+          </a:xfrm>
+        </p:grpSpPr>
+        <p:sp>
+          <p:nvSpPr>
+            <p:cNvPr id="4" name="ZoneTexte 3">
+              <a:extLst>
+                <a:ext uri="{FF2B5EF4-FFF2-40B4-BE49-F238E27FC236}">
+                  <a16:creationId xmlns:a16="http://schemas.microsoft.com/office/drawing/2014/main" id="{8F673E82-D53C-43D2-B579-BF7CC3BDBCC2}"/>
+                </a:ext>
+              </a:extLst>
+            </p:cNvPr>
+            <p:cNvSpPr txBox="1"/>
+            <p:nvPr/>
+          </p:nvSpPr>
+          <p:spPr>
+            <a:xfrm>
+              <a:off x="2470639" y="501162"/>
+              <a:ext cx="2329962" cy="369332"/>
+            </a:xfrm>
+            <a:prstGeom prst="rect">
+              <a:avLst/>
+            </a:prstGeom>
+            <a:noFill/>
+          </p:spPr>
+          <p:txBody>
+            <a:bodyPr wrap="square" rtlCol="0">
+              <a:spAutoFit/>
+            </a:bodyPr>
+            <a:lstStyle/>
+            <a:p>
+              <a:r>
+                <a:rPr lang="de-DE" dirty="0"/>
+                <a:t>Unternehmensführung</a:t>
+              </a:r>
+            </a:p>
+          </p:txBody>
+        </p:sp>
+        <p:sp>
+          <p:nvSpPr>
+            <p:cNvPr id="5" name="Rectangle 4">
+              <a:extLst>
+                <a:ext uri="{FF2B5EF4-FFF2-40B4-BE49-F238E27FC236}">
+                  <a16:creationId xmlns:a16="http://schemas.microsoft.com/office/drawing/2014/main" id="{6C6FBCE4-F3F9-46A2-A94A-6397FAF45C84}"/>
+                </a:ext>
+              </a:extLst>
+            </p:cNvPr>
+            <p:cNvSpPr/>
+            <p:nvPr/>
+          </p:nvSpPr>
+          <p:spPr>
+            <a:xfrm>
+              <a:off x="2470639" y="501162"/>
+              <a:ext cx="2329962" cy="439615"/>
+            </a:xfrm>
+            <a:prstGeom prst="rect">
+              <a:avLst/>
+            </a:prstGeom>
+            <a:noFill/>
+            <a:ln w="28575">
+              <a:solidFill>
+                <a:schemeClr val="tx1"/>
+              </a:solidFill>
+            </a:ln>
+          </p:spPr>
+          <p:style>
+            <a:lnRef idx="2">
+              <a:schemeClr val="accent1">
+                <a:shade val="50000"/>
+              </a:schemeClr>
+            </a:lnRef>
+            <a:fillRef idx="1">
+              <a:schemeClr val="accent1"/>
+            </a:fillRef>
+            <a:effectRef idx="0">
+              <a:schemeClr val="accent1"/>
+            </a:effectRef>
+            <a:fontRef idx="minor">
+              <a:schemeClr val="lt1"/>
+            </a:fontRef>
+          </p:style>
+          <p:txBody>
+            <a:bodyPr rtlCol="0" anchor="ctr"/>
+            <a:lstStyle/>
+            <a:p>
+              <a:pPr algn="ctr"/>
+              <a:endParaRPr lang="de-DE"/>
+            </a:p>
+          </p:txBody>
+        </p:sp>
+      </p:grpSp>
+      <p:grpSp>
+        <p:nvGrpSpPr>
+          <p:cNvPr id="10" name="Groupe 9">
+            <a:extLst>
+              <a:ext uri="{FF2B5EF4-FFF2-40B4-BE49-F238E27FC236}">
+                <a16:creationId xmlns:a16="http://schemas.microsoft.com/office/drawing/2014/main" id="{083600B1-3F08-4633-96F4-92FFBFCF7CB1}"/>
+              </a:ext>
+            </a:extLst>
+          </p:cNvPr>
+          <p:cNvGrpSpPr/>
+          <p:nvPr/>
+        </p:nvGrpSpPr>
+        <p:grpSpPr>
+          <a:xfrm>
+            <a:off x="3405555" y="1315915"/>
+            <a:ext cx="1456592" cy="439615"/>
+            <a:chOff x="2470639" y="501162"/>
+            <a:chExt cx="2329962" cy="439615"/>
+          </a:xfrm>
+        </p:grpSpPr>
+        <p:sp>
+          <p:nvSpPr>
+            <p:cNvPr id="11" name="ZoneTexte 10">
+              <a:extLst>
+                <a:ext uri="{FF2B5EF4-FFF2-40B4-BE49-F238E27FC236}">
+                  <a16:creationId xmlns:a16="http://schemas.microsoft.com/office/drawing/2014/main" id="{CC12BA53-35C8-42C0-B9E1-9B20BB5C8CFB}"/>
+                </a:ext>
+              </a:extLst>
+            </p:cNvPr>
+            <p:cNvSpPr txBox="1"/>
+            <p:nvPr/>
+          </p:nvSpPr>
+          <p:spPr>
+            <a:xfrm>
+              <a:off x="2470639" y="501162"/>
+              <a:ext cx="2329962" cy="369332"/>
+            </a:xfrm>
+            <a:prstGeom prst="rect">
+              <a:avLst/>
+            </a:prstGeom>
+            <a:noFill/>
+          </p:spPr>
+          <p:txBody>
+            <a:bodyPr wrap="square" rtlCol="0">
+              <a:spAutoFit/>
+            </a:bodyPr>
+            <a:lstStyle/>
+            <a:p>
+              <a:pPr algn="ctr"/>
+              <a:r>
+                <a:rPr lang="de-DE" dirty="0"/>
+                <a:t>Beschaffung </a:t>
+              </a:r>
+            </a:p>
+          </p:txBody>
+        </p:sp>
+        <p:sp>
+          <p:nvSpPr>
+            <p:cNvPr id="12" name="Rectangle 11">
+              <a:extLst>
+                <a:ext uri="{FF2B5EF4-FFF2-40B4-BE49-F238E27FC236}">
+                  <a16:creationId xmlns:a16="http://schemas.microsoft.com/office/drawing/2014/main" id="{D5FD6AEB-9B47-4413-BE9E-849A34000193}"/>
+                </a:ext>
+              </a:extLst>
+            </p:cNvPr>
+            <p:cNvSpPr/>
+            <p:nvPr/>
+          </p:nvSpPr>
+          <p:spPr>
+            <a:xfrm>
+              <a:off x="2470639" y="501162"/>
+              <a:ext cx="2329962" cy="439615"/>
+            </a:xfrm>
+            <a:prstGeom prst="rect">
+              <a:avLst/>
+            </a:prstGeom>
+            <a:noFill/>
+            <a:ln w="28575">
+              <a:solidFill>
+                <a:schemeClr val="tx1"/>
+              </a:solidFill>
+            </a:ln>
+          </p:spPr>
+          <p:style>
+            <a:lnRef idx="2">
+              <a:schemeClr val="accent1">
+                <a:shade val="50000"/>
+              </a:schemeClr>
+            </a:lnRef>
+            <a:fillRef idx="1">
+              <a:schemeClr val="accent1"/>
+            </a:fillRef>
+            <a:effectRef idx="0">
+              <a:schemeClr val="accent1"/>
+            </a:effectRef>
+            <a:fontRef idx="minor">
+              <a:schemeClr val="lt1"/>
+            </a:fontRef>
+          </p:style>
+          <p:txBody>
+            <a:bodyPr rtlCol="0" anchor="ctr"/>
+            <a:lstStyle/>
+            <a:p>
+              <a:pPr algn="ctr"/>
+              <a:endParaRPr lang="de-DE"/>
+            </a:p>
+          </p:txBody>
+        </p:sp>
+      </p:grpSp>
+      <p:grpSp>
+        <p:nvGrpSpPr>
+          <p:cNvPr id="13" name="Groupe 12">
+            <a:extLst>
+              <a:ext uri="{FF2B5EF4-FFF2-40B4-BE49-F238E27FC236}">
+                <a16:creationId xmlns:a16="http://schemas.microsoft.com/office/drawing/2014/main" id="{C42725C5-9927-48CE-BDCB-564C47C1B2C6}"/>
+              </a:ext>
+            </a:extLst>
+          </p:cNvPr>
+          <p:cNvGrpSpPr/>
+          <p:nvPr/>
+        </p:nvGrpSpPr>
+        <p:grpSpPr>
+          <a:xfrm>
+            <a:off x="5367704" y="1315915"/>
+            <a:ext cx="1456592" cy="439615"/>
+            <a:chOff x="2470639" y="501162"/>
+            <a:chExt cx="2329962" cy="439615"/>
+          </a:xfrm>
+        </p:grpSpPr>
+        <p:sp>
+          <p:nvSpPr>
+            <p:cNvPr id="14" name="ZoneTexte 13">
+              <a:extLst>
+                <a:ext uri="{FF2B5EF4-FFF2-40B4-BE49-F238E27FC236}">
+                  <a16:creationId xmlns:a16="http://schemas.microsoft.com/office/drawing/2014/main" id="{2953A499-C4B9-45A0-AE29-E66B3D64D483}"/>
+                </a:ext>
+              </a:extLst>
+            </p:cNvPr>
+            <p:cNvSpPr txBox="1"/>
+            <p:nvPr/>
+          </p:nvSpPr>
+          <p:spPr>
+            <a:xfrm>
+              <a:off x="2470639" y="501162"/>
+              <a:ext cx="2329962" cy="369332"/>
+            </a:xfrm>
+            <a:prstGeom prst="rect">
+              <a:avLst/>
+            </a:prstGeom>
+            <a:noFill/>
+          </p:spPr>
+          <p:txBody>
+            <a:bodyPr wrap="square" rtlCol="0">
+              <a:spAutoFit/>
+            </a:bodyPr>
+            <a:lstStyle/>
+            <a:p>
+              <a:pPr algn="ctr"/>
+              <a:r>
+                <a:rPr lang="de-DE" dirty="0"/>
+                <a:t>Produktion </a:t>
+              </a:r>
+            </a:p>
+          </p:txBody>
+        </p:sp>
+        <p:sp>
+          <p:nvSpPr>
+            <p:cNvPr id="15" name="Rectangle 14">
+              <a:extLst>
+                <a:ext uri="{FF2B5EF4-FFF2-40B4-BE49-F238E27FC236}">
+                  <a16:creationId xmlns:a16="http://schemas.microsoft.com/office/drawing/2014/main" id="{E612FB43-F236-445C-8281-40111973F052}"/>
+                </a:ext>
+              </a:extLst>
+            </p:cNvPr>
+            <p:cNvSpPr/>
+            <p:nvPr/>
+          </p:nvSpPr>
+          <p:spPr>
+            <a:xfrm>
+              <a:off x="2470639" y="501162"/>
+              <a:ext cx="2329962" cy="439615"/>
+            </a:xfrm>
+            <a:prstGeom prst="rect">
+              <a:avLst/>
+            </a:prstGeom>
+            <a:noFill/>
+            <a:ln w="28575">
+              <a:solidFill>
+                <a:schemeClr val="tx1"/>
+              </a:solidFill>
+            </a:ln>
+          </p:spPr>
+          <p:style>
+            <a:lnRef idx="2">
+              <a:schemeClr val="accent1">
+                <a:shade val="50000"/>
+              </a:schemeClr>
+            </a:lnRef>
+            <a:fillRef idx="1">
+              <a:schemeClr val="accent1"/>
+            </a:fillRef>
+            <a:effectRef idx="0">
+              <a:schemeClr val="accent1"/>
+            </a:effectRef>
+            <a:fontRef idx="minor">
+              <a:schemeClr val="lt1"/>
+            </a:fontRef>
+          </p:style>
+          <p:txBody>
+            <a:bodyPr rtlCol="0" anchor="ctr"/>
+            <a:lstStyle/>
+            <a:p>
+              <a:pPr algn="ctr"/>
+              <a:endParaRPr lang="de-DE"/>
+            </a:p>
+          </p:txBody>
+        </p:sp>
+      </p:grpSp>
+      <p:grpSp>
+        <p:nvGrpSpPr>
+          <p:cNvPr id="16" name="Groupe 15">
+            <a:extLst>
+              <a:ext uri="{FF2B5EF4-FFF2-40B4-BE49-F238E27FC236}">
+                <a16:creationId xmlns:a16="http://schemas.microsoft.com/office/drawing/2014/main" id="{F8DE3824-31F5-49FC-B2F5-5200B4E00B9D}"/>
+              </a:ext>
+            </a:extLst>
+          </p:cNvPr>
+          <p:cNvGrpSpPr/>
+          <p:nvPr/>
+        </p:nvGrpSpPr>
+        <p:grpSpPr>
+          <a:xfrm>
+            <a:off x="7329853" y="1321780"/>
+            <a:ext cx="1456592" cy="439615"/>
+            <a:chOff x="2470639" y="501162"/>
+            <a:chExt cx="2329962" cy="439615"/>
+          </a:xfrm>
+        </p:grpSpPr>
+        <p:sp>
+          <p:nvSpPr>
+            <p:cNvPr id="17" name="ZoneTexte 16">
+              <a:extLst>
+                <a:ext uri="{FF2B5EF4-FFF2-40B4-BE49-F238E27FC236}">
+                  <a16:creationId xmlns:a16="http://schemas.microsoft.com/office/drawing/2014/main" id="{3073449A-A85C-4955-B1A7-83CE5A8DE356}"/>
+                </a:ext>
+              </a:extLst>
+            </p:cNvPr>
+            <p:cNvSpPr txBox="1"/>
+            <p:nvPr/>
+          </p:nvSpPr>
+          <p:spPr>
+            <a:xfrm>
+              <a:off x="2470639" y="501162"/>
+              <a:ext cx="2329962" cy="369332"/>
+            </a:xfrm>
+            <a:prstGeom prst="rect">
+              <a:avLst/>
+            </a:prstGeom>
+            <a:noFill/>
+          </p:spPr>
+          <p:txBody>
+            <a:bodyPr wrap="square" rtlCol="0">
+              <a:spAutoFit/>
+            </a:bodyPr>
+            <a:lstStyle/>
+            <a:p>
+              <a:pPr algn="ctr"/>
+              <a:r>
+                <a:rPr lang="de-DE" dirty="0"/>
+                <a:t>Absatz </a:t>
+              </a:r>
+            </a:p>
+          </p:txBody>
+        </p:sp>
+        <p:sp>
+          <p:nvSpPr>
+            <p:cNvPr id="18" name="Rectangle 17">
+              <a:extLst>
+                <a:ext uri="{FF2B5EF4-FFF2-40B4-BE49-F238E27FC236}">
+                  <a16:creationId xmlns:a16="http://schemas.microsoft.com/office/drawing/2014/main" id="{AE7679C6-D18D-4D5A-887D-C4102516C423}"/>
+                </a:ext>
+              </a:extLst>
+            </p:cNvPr>
+            <p:cNvSpPr/>
+            <p:nvPr/>
+          </p:nvSpPr>
+          <p:spPr>
+            <a:xfrm>
+              <a:off x="2470639" y="501162"/>
+              <a:ext cx="2329962" cy="439615"/>
+            </a:xfrm>
+            <a:prstGeom prst="rect">
+              <a:avLst/>
+            </a:prstGeom>
+            <a:noFill/>
+            <a:ln w="28575">
+              <a:solidFill>
+                <a:schemeClr val="tx1"/>
+              </a:solidFill>
+            </a:ln>
+          </p:spPr>
+          <p:style>
+            <a:lnRef idx="2">
+              <a:schemeClr val="accent1">
+                <a:shade val="50000"/>
+              </a:schemeClr>
+            </a:lnRef>
+            <a:fillRef idx="1">
+              <a:schemeClr val="accent1"/>
+            </a:fillRef>
+            <a:effectRef idx="0">
+              <a:schemeClr val="accent1"/>
+            </a:effectRef>
+            <a:fontRef idx="minor">
+              <a:schemeClr val="lt1"/>
+            </a:fontRef>
+          </p:style>
+          <p:txBody>
+            <a:bodyPr rtlCol="0" anchor="ctr"/>
+            <a:lstStyle/>
+            <a:p>
+              <a:pPr algn="ctr"/>
+              <a:endParaRPr lang="de-DE"/>
+            </a:p>
+          </p:txBody>
+        </p:sp>
+      </p:grpSp>
+      <p:grpSp>
+        <p:nvGrpSpPr>
+          <p:cNvPr id="19" name="Groupe 18">
+            <a:extLst>
+              <a:ext uri="{FF2B5EF4-FFF2-40B4-BE49-F238E27FC236}">
+                <a16:creationId xmlns:a16="http://schemas.microsoft.com/office/drawing/2014/main" id="{86577336-F828-477D-BDCD-0B7A600D836F}"/>
+              </a:ext>
+            </a:extLst>
+          </p:cNvPr>
+          <p:cNvGrpSpPr/>
+          <p:nvPr/>
+        </p:nvGrpSpPr>
+        <p:grpSpPr>
+          <a:xfrm>
+            <a:off x="9292002" y="1321780"/>
+            <a:ext cx="1456592" cy="439615"/>
+            <a:chOff x="2470639" y="501162"/>
+            <a:chExt cx="2329962" cy="439615"/>
+          </a:xfrm>
+        </p:grpSpPr>
+        <p:sp>
+          <p:nvSpPr>
+            <p:cNvPr id="20" name="ZoneTexte 19">
+              <a:extLst>
+                <a:ext uri="{FF2B5EF4-FFF2-40B4-BE49-F238E27FC236}">
+                  <a16:creationId xmlns:a16="http://schemas.microsoft.com/office/drawing/2014/main" id="{0A1BCAC2-5D15-4E35-9FF6-7C3F88878912}"/>
+                </a:ext>
+              </a:extLst>
+            </p:cNvPr>
+            <p:cNvSpPr txBox="1"/>
+            <p:nvPr/>
+          </p:nvSpPr>
+          <p:spPr>
+            <a:xfrm>
+              <a:off x="2470639" y="501162"/>
+              <a:ext cx="2329962" cy="369332"/>
+            </a:xfrm>
+            <a:prstGeom prst="rect">
+              <a:avLst/>
+            </a:prstGeom>
+            <a:noFill/>
+          </p:spPr>
+          <p:txBody>
+            <a:bodyPr wrap="square" rtlCol="0">
+              <a:spAutoFit/>
+            </a:bodyPr>
+            <a:lstStyle/>
+            <a:p>
+              <a:pPr algn="ctr"/>
+              <a:r>
+                <a:rPr lang="de-DE" dirty="0"/>
+                <a:t>Finanzierung </a:t>
+              </a:r>
+            </a:p>
+          </p:txBody>
+        </p:sp>
+        <p:sp>
+          <p:nvSpPr>
+            <p:cNvPr id="21" name="Rectangle 20">
+              <a:extLst>
+                <a:ext uri="{FF2B5EF4-FFF2-40B4-BE49-F238E27FC236}">
+                  <a16:creationId xmlns:a16="http://schemas.microsoft.com/office/drawing/2014/main" id="{811147E4-A81E-4CE1-92B3-AD485DEF59F4}"/>
+                </a:ext>
+              </a:extLst>
+            </p:cNvPr>
+            <p:cNvSpPr/>
+            <p:nvPr/>
+          </p:nvSpPr>
+          <p:spPr>
+            <a:xfrm>
+              <a:off x="2470639" y="501162"/>
+              <a:ext cx="2329962" cy="439615"/>
+            </a:xfrm>
+            <a:prstGeom prst="rect">
+              <a:avLst/>
+            </a:prstGeom>
+            <a:noFill/>
+            <a:ln w="28575">
+              <a:solidFill>
+                <a:schemeClr val="tx1"/>
+              </a:solidFill>
+            </a:ln>
+          </p:spPr>
+          <p:style>
+            <a:lnRef idx="2">
+              <a:schemeClr val="accent1">
+                <a:shade val="50000"/>
+              </a:schemeClr>
+            </a:lnRef>
+            <a:fillRef idx="1">
+              <a:schemeClr val="accent1"/>
+            </a:fillRef>
+            <a:effectRef idx="0">
+              <a:schemeClr val="accent1"/>
+            </a:effectRef>
+            <a:fontRef idx="minor">
+              <a:schemeClr val="lt1"/>
+            </a:fontRef>
+          </p:style>
+          <p:txBody>
+            <a:bodyPr rtlCol="0" anchor="ctr"/>
+            <a:lstStyle/>
+            <a:p>
+              <a:pPr algn="ctr"/>
+              <a:endParaRPr lang="de-DE"/>
+            </a:p>
+          </p:txBody>
+        </p:sp>
+      </p:grpSp>
+      <p:grpSp>
+        <p:nvGrpSpPr>
+          <p:cNvPr id="22" name="Groupe 21">
+            <a:extLst>
+              <a:ext uri="{FF2B5EF4-FFF2-40B4-BE49-F238E27FC236}">
+                <a16:creationId xmlns:a16="http://schemas.microsoft.com/office/drawing/2014/main" id="{681CEE09-347F-4D3D-9EBE-469CDED562DC}"/>
+              </a:ext>
+            </a:extLst>
+          </p:cNvPr>
+          <p:cNvGrpSpPr/>
+          <p:nvPr/>
+        </p:nvGrpSpPr>
+        <p:grpSpPr>
+          <a:xfrm>
+            <a:off x="5367704" y="2588740"/>
+            <a:ext cx="1456592" cy="3335215"/>
+            <a:chOff x="2470639" y="501162"/>
+            <a:chExt cx="2329962" cy="439615"/>
+          </a:xfrm>
+        </p:grpSpPr>
+        <p:sp>
+          <p:nvSpPr>
+            <p:cNvPr id="23" name="ZoneTexte 22">
+              <a:extLst>
+                <a:ext uri="{FF2B5EF4-FFF2-40B4-BE49-F238E27FC236}">
+                  <a16:creationId xmlns:a16="http://schemas.microsoft.com/office/drawing/2014/main" id="{F948C805-1D48-4AF1-A386-9BBCB5332203}"/>
+                </a:ext>
+              </a:extLst>
+            </p:cNvPr>
+            <p:cNvSpPr txBox="1"/>
+            <p:nvPr/>
+          </p:nvSpPr>
+          <p:spPr>
+            <a:xfrm>
+              <a:off x="2470639" y="501162"/>
+              <a:ext cx="2329962" cy="340772"/>
+            </a:xfrm>
+            <a:prstGeom prst="rect">
+              <a:avLst/>
+            </a:prstGeom>
+            <a:noFill/>
+          </p:spPr>
+          <p:txBody>
+            <a:bodyPr wrap="square" rtlCol="0">
+              <a:spAutoFit/>
+            </a:bodyPr>
+            <a:lstStyle/>
+            <a:p>
+              <a:pPr algn="ctr"/>
+              <a:r>
+                <a:rPr lang="de-DE" dirty="0"/>
+                <a:t>Elektroautos</a:t>
+              </a:r>
+            </a:p>
+            <a:p>
+              <a:pPr algn="ctr"/>
+              <a:endParaRPr lang="de-DE" dirty="0"/>
+            </a:p>
+            <a:p>
+              <a:pPr algn="ctr"/>
+              <a:r>
+                <a:rPr lang="de-DE" dirty="0"/>
+                <a:t>Strom-speicher</a:t>
+              </a:r>
+            </a:p>
+            <a:p>
+              <a:pPr algn="ctr"/>
+              <a:endParaRPr lang="de-DE" dirty="0"/>
+            </a:p>
+            <a:p>
+              <a:pPr algn="ctr"/>
+              <a:r>
+                <a:rPr lang="de-DE" dirty="0"/>
+                <a:t>Photovoltaik-anlagen</a:t>
+              </a:r>
+            </a:p>
+            <a:p>
+              <a:endParaRPr lang="en-GB" dirty="0"/>
+            </a:p>
+            <a:p>
+              <a:pPr algn="ctr"/>
+              <a:endParaRPr lang="de-DE" dirty="0"/>
+            </a:p>
+          </p:txBody>
+        </p:sp>
+        <p:sp>
+          <p:nvSpPr>
+            <p:cNvPr id="24" name="Rectangle 23">
+              <a:extLst>
+                <a:ext uri="{FF2B5EF4-FFF2-40B4-BE49-F238E27FC236}">
+                  <a16:creationId xmlns:a16="http://schemas.microsoft.com/office/drawing/2014/main" id="{A5CD387A-467B-47B3-AFA8-90BC5EE022B9}"/>
+                </a:ext>
+              </a:extLst>
+            </p:cNvPr>
+            <p:cNvSpPr/>
+            <p:nvPr/>
+          </p:nvSpPr>
+          <p:spPr>
+            <a:xfrm>
+              <a:off x="2470639" y="501162"/>
+              <a:ext cx="2329962" cy="439615"/>
+            </a:xfrm>
+            <a:prstGeom prst="rect">
+              <a:avLst/>
+            </a:prstGeom>
+            <a:noFill/>
+            <a:ln w="28575">
+              <a:solidFill>
+                <a:schemeClr val="tx1"/>
+              </a:solidFill>
+            </a:ln>
+          </p:spPr>
+          <p:style>
+            <a:lnRef idx="2">
+              <a:schemeClr val="accent1">
+                <a:shade val="50000"/>
+              </a:schemeClr>
+            </a:lnRef>
+            <a:fillRef idx="1">
+              <a:schemeClr val="accent1"/>
+            </a:fillRef>
+            <a:effectRef idx="0">
+              <a:schemeClr val="accent1"/>
+            </a:effectRef>
+            <a:fontRef idx="minor">
+              <a:schemeClr val="lt1"/>
+            </a:fontRef>
+          </p:style>
+          <p:txBody>
+            <a:bodyPr rtlCol="0" anchor="ctr"/>
+            <a:lstStyle/>
+            <a:p>
+              <a:pPr algn="ctr"/>
+              <a:endParaRPr lang="de-DE"/>
+            </a:p>
+          </p:txBody>
+        </p:sp>
+      </p:grpSp>
+      <p:grpSp>
+        <p:nvGrpSpPr>
+          <p:cNvPr id="25" name="Groupe 24">
+            <a:extLst>
+              <a:ext uri="{FF2B5EF4-FFF2-40B4-BE49-F238E27FC236}">
+                <a16:creationId xmlns:a16="http://schemas.microsoft.com/office/drawing/2014/main" id="{DDBF525F-DA7A-4B49-BC99-B134E8593661}"/>
+              </a:ext>
+            </a:extLst>
+          </p:cNvPr>
+          <p:cNvGrpSpPr/>
+          <p:nvPr/>
+        </p:nvGrpSpPr>
+        <p:grpSpPr>
+          <a:xfrm>
+            <a:off x="797170" y="3777169"/>
+            <a:ext cx="1456592" cy="958360"/>
+            <a:chOff x="2470639" y="501162"/>
+            <a:chExt cx="2329962" cy="646331"/>
+          </a:xfrm>
+        </p:grpSpPr>
+        <p:sp>
+          <p:nvSpPr>
+            <p:cNvPr id="26" name="ZoneTexte 25">
+              <a:extLst>
+                <a:ext uri="{FF2B5EF4-FFF2-40B4-BE49-F238E27FC236}">
+                  <a16:creationId xmlns:a16="http://schemas.microsoft.com/office/drawing/2014/main" id="{09982DF4-3DE1-4BC3-82F8-253DF36B6850}"/>
+                </a:ext>
+              </a:extLst>
+            </p:cNvPr>
+            <p:cNvSpPr txBox="1"/>
+            <p:nvPr/>
+          </p:nvSpPr>
+          <p:spPr>
+            <a:xfrm>
+              <a:off x="2470639" y="501162"/>
+              <a:ext cx="2329962" cy="646331"/>
+            </a:xfrm>
+            <a:prstGeom prst="rect">
+              <a:avLst/>
+            </a:prstGeom>
+            <a:noFill/>
+          </p:spPr>
+          <p:txBody>
+            <a:bodyPr wrap="square" rtlCol="0">
+              <a:spAutoFit/>
+            </a:bodyPr>
+            <a:lstStyle/>
+            <a:p>
+              <a:pPr algn="ctr"/>
+              <a:r>
+                <a:rPr lang="de-DE" dirty="0"/>
+                <a:t>Erneuerbare Energien </a:t>
+              </a:r>
+            </a:p>
+          </p:txBody>
+        </p:sp>
+        <p:sp>
+          <p:nvSpPr>
+            <p:cNvPr id="27" name="Rectangle 26">
+              <a:extLst>
+                <a:ext uri="{FF2B5EF4-FFF2-40B4-BE49-F238E27FC236}">
+                  <a16:creationId xmlns:a16="http://schemas.microsoft.com/office/drawing/2014/main" id="{1A21B9C7-7626-4439-9265-A59EE588D564}"/>
+                </a:ext>
+              </a:extLst>
+            </p:cNvPr>
+            <p:cNvSpPr/>
+            <p:nvPr/>
+          </p:nvSpPr>
+          <p:spPr>
+            <a:xfrm>
+              <a:off x="2470639" y="501162"/>
+              <a:ext cx="2329962" cy="439615"/>
+            </a:xfrm>
+            <a:prstGeom prst="rect">
+              <a:avLst/>
+            </a:prstGeom>
+            <a:noFill/>
+            <a:ln w="28575">
+              <a:solidFill>
+                <a:schemeClr val="tx1"/>
+              </a:solidFill>
+            </a:ln>
+          </p:spPr>
+          <p:style>
+            <a:lnRef idx="2">
+              <a:schemeClr val="accent1">
+                <a:shade val="50000"/>
+              </a:schemeClr>
+            </a:lnRef>
+            <a:fillRef idx="1">
+              <a:schemeClr val="accent1"/>
+            </a:fillRef>
+            <a:effectRef idx="0">
+              <a:schemeClr val="accent1"/>
+            </a:effectRef>
+            <a:fontRef idx="minor">
+              <a:schemeClr val="lt1"/>
+            </a:fontRef>
+          </p:style>
+          <p:txBody>
+            <a:bodyPr rtlCol="0" anchor="ctr"/>
+            <a:lstStyle/>
+            <a:p>
+              <a:pPr algn="ctr"/>
+              <a:endParaRPr lang="de-DE"/>
+            </a:p>
+          </p:txBody>
+        </p:sp>
+      </p:grpSp>
+      <p:grpSp>
+        <p:nvGrpSpPr>
+          <p:cNvPr id="28" name="Groupe 27">
+            <a:extLst>
+              <a:ext uri="{FF2B5EF4-FFF2-40B4-BE49-F238E27FC236}">
+                <a16:creationId xmlns:a16="http://schemas.microsoft.com/office/drawing/2014/main" id="{3E3DBF82-7133-4640-AD6E-8B38618B2C41}"/>
+              </a:ext>
+            </a:extLst>
+          </p:cNvPr>
+          <p:cNvGrpSpPr/>
+          <p:nvPr/>
+        </p:nvGrpSpPr>
+        <p:grpSpPr>
+          <a:xfrm>
+            <a:off x="797170" y="4923695"/>
+            <a:ext cx="1456592" cy="712176"/>
+            <a:chOff x="2470639" y="501162"/>
+            <a:chExt cx="2329962" cy="439615"/>
+          </a:xfrm>
+        </p:grpSpPr>
+        <p:sp>
+          <p:nvSpPr>
+            <p:cNvPr id="29" name="ZoneTexte 28">
+              <a:extLst>
+                <a:ext uri="{FF2B5EF4-FFF2-40B4-BE49-F238E27FC236}">
+                  <a16:creationId xmlns:a16="http://schemas.microsoft.com/office/drawing/2014/main" id="{FA99BB10-57ED-438B-A32E-F8F6FE03AE17}"/>
+                </a:ext>
+              </a:extLst>
+            </p:cNvPr>
+            <p:cNvSpPr txBox="1"/>
+            <p:nvPr/>
+          </p:nvSpPr>
+          <p:spPr>
+            <a:xfrm>
+              <a:off x="2470639" y="501162"/>
+              <a:ext cx="2329962" cy="383165"/>
+            </a:xfrm>
+            <a:prstGeom prst="rect">
+              <a:avLst/>
+            </a:prstGeom>
+            <a:noFill/>
+          </p:spPr>
+          <p:txBody>
+            <a:bodyPr wrap="square" rtlCol="0">
+              <a:spAutoFit/>
+            </a:bodyPr>
+            <a:lstStyle/>
+            <a:p>
+              <a:pPr algn="ctr"/>
+              <a:r>
+                <a:rPr lang="de-DE" dirty="0"/>
+                <a:t>Energie-speicherung  </a:t>
+              </a:r>
+            </a:p>
+          </p:txBody>
+        </p:sp>
+        <p:sp>
+          <p:nvSpPr>
+            <p:cNvPr id="30" name="Rectangle 29">
+              <a:extLst>
+                <a:ext uri="{FF2B5EF4-FFF2-40B4-BE49-F238E27FC236}">
+                  <a16:creationId xmlns:a16="http://schemas.microsoft.com/office/drawing/2014/main" id="{1191D6A0-F153-4A60-B4CD-C2EA79B57D62}"/>
+                </a:ext>
+              </a:extLst>
+            </p:cNvPr>
+            <p:cNvSpPr/>
+            <p:nvPr/>
+          </p:nvSpPr>
+          <p:spPr>
+            <a:xfrm>
+              <a:off x="2470639" y="501162"/>
+              <a:ext cx="2329962" cy="439615"/>
+            </a:xfrm>
+            <a:prstGeom prst="rect">
+              <a:avLst/>
+            </a:prstGeom>
+            <a:noFill/>
+            <a:ln w="28575">
+              <a:solidFill>
+                <a:schemeClr val="tx1"/>
+              </a:solidFill>
+            </a:ln>
+          </p:spPr>
+          <p:style>
+            <a:lnRef idx="2">
+              <a:schemeClr val="accent1">
+                <a:shade val="50000"/>
+              </a:schemeClr>
+            </a:lnRef>
+            <a:fillRef idx="1">
+              <a:schemeClr val="accent1"/>
+            </a:fillRef>
+            <a:effectRef idx="0">
+              <a:schemeClr val="accent1"/>
+            </a:effectRef>
+            <a:fontRef idx="minor">
+              <a:schemeClr val="lt1"/>
+            </a:fontRef>
+          </p:style>
+          <p:txBody>
+            <a:bodyPr rtlCol="0" anchor="ctr"/>
+            <a:lstStyle/>
+            <a:p>
+              <a:pPr algn="ctr"/>
+              <a:endParaRPr lang="de-DE"/>
+            </a:p>
+          </p:txBody>
+        </p:sp>
+      </p:grpSp>
+      <p:grpSp>
+        <p:nvGrpSpPr>
+          <p:cNvPr id="31" name="Groupe 30">
+            <a:extLst>
+              <a:ext uri="{FF2B5EF4-FFF2-40B4-BE49-F238E27FC236}">
+                <a16:creationId xmlns:a16="http://schemas.microsoft.com/office/drawing/2014/main" id="{9E55C49E-DD84-4683-87DE-2060B177A729}"/>
+              </a:ext>
+            </a:extLst>
+          </p:cNvPr>
+          <p:cNvGrpSpPr/>
+          <p:nvPr/>
+        </p:nvGrpSpPr>
+        <p:grpSpPr>
+          <a:xfrm>
+            <a:off x="797170" y="2917582"/>
+            <a:ext cx="1456592" cy="439615"/>
+            <a:chOff x="2470639" y="501162"/>
+            <a:chExt cx="2329962" cy="439615"/>
+          </a:xfrm>
+        </p:grpSpPr>
+        <p:sp>
+          <p:nvSpPr>
+            <p:cNvPr id="32" name="ZoneTexte 31">
+              <a:extLst>
+                <a:ext uri="{FF2B5EF4-FFF2-40B4-BE49-F238E27FC236}">
+                  <a16:creationId xmlns:a16="http://schemas.microsoft.com/office/drawing/2014/main" id="{9EEC2ECF-BFEF-41BB-885D-405938DCD6AC}"/>
+                </a:ext>
+              </a:extLst>
+            </p:cNvPr>
+            <p:cNvSpPr txBox="1"/>
+            <p:nvPr/>
+          </p:nvSpPr>
+          <p:spPr>
+            <a:xfrm>
+              <a:off x="2470639" y="501162"/>
+              <a:ext cx="2329962" cy="369332"/>
+            </a:xfrm>
+            <a:prstGeom prst="rect">
+              <a:avLst/>
+            </a:prstGeom>
+            <a:noFill/>
+          </p:spPr>
+          <p:txBody>
+            <a:bodyPr wrap="square" rtlCol="0">
+              <a:spAutoFit/>
+            </a:bodyPr>
+            <a:lstStyle/>
+            <a:p>
+              <a:pPr algn="ctr"/>
+              <a:r>
+                <a:rPr lang="de-DE" dirty="0"/>
+                <a:t>Elektroautos </a:t>
+              </a:r>
+            </a:p>
+          </p:txBody>
+        </p:sp>
+        <p:sp>
+          <p:nvSpPr>
+            <p:cNvPr id="33" name="Rectangle 32">
+              <a:extLst>
+                <a:ext uri="{FF2B5EF4-FFF2-40B4-BE49-F238E27FC236}">
+                  <a16:creationId xmlns:a16="http://schemas.microsoft.com/office/drawing/2014/main" id="{C333C60B-FB34-4988-A4F8-DEF13F910F12}"/>
+                </a:ext>
+              </a:extLst>
+            </p:cNvPr>
+            <p:cNvSpPr/>
+            <p:nvPr/>
+          </p:nvSpPr>
+          <p:spPr>
+            <a:xfrm>
+              <a:off x="2470639" y="501162"/>
+              <a:ext cx="2329962" cy="439615"/>
+            </a:xfrm>
+            <a:prstGeom prst="rect">
+              <a:avLst/>
+            </a:prstGeom>
+            <a:noFill/>
+            <a:ln w="28575">
+              <a:solidFill>
+                <a:schemeClr val="tx1"/>
+              </a:solidFill>
+            </a:ln>
+          </p:spPr>
+          <p:style>
+            <a:lnRef idx="2">
+              <a:schemeClr val="accent1">
+                <a:shade val="50000"/>
+              </a:schemeClr>
+            </a:lnRef>
+            <a:fillRef idx="1">
+              <a:schemeClr val="accent1"/>
+            </a:fillRef>
+            <a:effectRef idx="0">
+              <a:schemeClr val="accent1"/>
+            </a:effectRef>
+            <a:fontRef idx="minor">
+              <a:schemeClr val="lt1"/>
+            </a:fontRef>
+          </p:style>
+          <p:txBody>
+            <a:bodyPr rtlCol="0" anchor="ctr"/>
+            <a:lstStyle/>
+            <a:p>
+              <a:pPr algn="ctr"/>
+              <a:endParaRPr lang="de-DE"/>
+            </a:p>
+          </p:txBody>
+        </p:sp>
+      </p:grpSp>
+      <p:grpSp>
+        <p:nvGrpSpPr>
+          <p:cNvPr id="34" name="Groupe 33">
+            <a:extLst>
+              <a:ext uri="{FF2B5EF4-FFF2-40B4-BE49-F238E27FC236}">
+                <a16:creationId xmlns:a16="http://schemas.microsoft.com/office/drawing/2014/main" id="{BDD09DE8-A74C-4CE6-BF36-F91D8FE9F207}"/>
+              </a:ext>
+            </a:extLst>
+          </p:cNvPr>
+          <p:cNvGrpSpPr/>
+          <p:nvPr/>
+        </p:nvGrpSpPr>
+        <p:grpSpPr>
+          <a:xfrm>
+            <a:off x="3405555" y="2588741"/>
+            <a:ext cx="1456592" cy="3335215"/>
+            <a:chOff x="2470639" y="501162"/>
+            <a:chExt cx="2329962" cy="439615"/>
+          </a:xfrm>
+        </p:grpSpPr>
+        <p:sp>
+          <p:nvSpPr>
+            <p:cNvPr id="35" name="ZoneTexte 34">
+              <a:extLst>
+                <a:ext uri="{FF2B5EF4-FFF2-40B4-BE49-F238E27FC236}">
+                  <a16:creationId xmlns:a16="http://schemas.microsoft.com/office/drawing/2014/main" id="{9E890547-236D-4FC2-998B-276E627AA83F}"/>
+                </a:ext>
+              </a:extLst>
+            </p:cNvPr>
+            <p:cNvSpPr txBox="1"/>
+            <p:nvPr/>
+          </p:nvSpPr>
+          <p:spPr>
+            <a:xfrm>
+              <a:off x="2470639" y="501162"/>
+              <a:ext cx="2329962" cy="411274"/>
+            </a:xfrm>
+            <a:prstGeom prst="rect">
+              <a:avLst/>
+            </a:prstGeom>
+            <a:noFill/>
+          </p:spPr>
+          <p:txBody>
+            <a:bodyPr wrap="square" rtlCol="0">
+              <a:spAutoFit/>
+            </a:bodyPr>
+            <a:lstStyle/>
+            <a:p>
+              <a:pPr algn="ctr"/>
+              <a:r>
+                <a:rPr lang="fr-FR" dirty="0"/>
+                <a:t>AGC Automotive</a:t>
+              </a:r>
+              <a:endParaRPr lang="de-DE" dirty="0"/>
+            </a:p>
+            <a:p>
+              <a:pPr algn="ctr"/>
+              <a:r>
+                <a:rPr lang="de-DE" dirty="0"/>
+                <a:t> </a:t>
+              </a:r>
+            </a:p>
+            <a:p>
+              <a:pPr algn="ctr"/>
+              <a:r>
+                <a:rPr lang="de-DE" dirty="0" err="1"/>
+                <a:t>Brembo</a:t>
+              </a:r>
+              <a:endParaRPr lang="de-DE" dirty="0"/>
+            </a:p>
+            <a:p>
+              <a:pPr algn="ctr"/>
+              <a:endParaRPr lang="de-DE" dirty="0"/>
+            </a:p>
+            <a:p>
+              <a:pPr algn="ctr"/>
+              <a:r>
+                <a:rPr lang="fr-FR" dirty="0"/>
+                <a:t>Fisher Dynamics</a:t>
+              </a:r>
+              <a:endParaRPr lang="de-DE" dirty="0"/>
+            </a:p>
+            <a:p>
+              <a:endParaRPr lang="en-GB" dirty="0"/>
+            </a:p>
+            <a:p>
+              <a:pPr algn="ctr"/>
+              <a:r>
+                <a:rPr lang="fr-FR" dirty="0" err="1"/>
+                <a:t>Inteva</a:t>
+              </a:r>
+              <a:r>
+                <a:rPr lang="fr-FR" dirty="0"/>
+                <a:t> </a:t>
+              </a:r>
+              <a:r>
+                <a:rPr lang="fr-FR" dirty="0" err="1"/>
+                <a:t>Products</a:t>
+              </a:r>
+              <a:endParaRPr lang="de-DE" dirty="0"/>
+            </a:p>
+            <a:p>
+              <a:endParaRPr lang="en-GB" dirty="0"/>
+            </a:p>
+            <a:p>
+              <a:pPr algn="ctr"/>
+              <a:endParaRPr lang="de-DE" dirty="0"/>
+            </a:p>
+          </p:txBody>
+        </p:sp>
+        <p:sp>
+          <p:nvSpPr>
+            <p:cNvPr id="36" name="Rectangle 35">
+              <a:extLst>
+                <a:ext uri="{FF2B5EF4-FFF2-40B4-BE49-F238E27FC236}">
+                  <a16:creationId xmlns:a16="http://schemas.microsoft.com/office/drawing/2014/main" id="{D90D5618-D24C-4C2F-810C-E3071BECEDCE}"/>
+                </a:ext>
+              </a:extLst>
+            </p:cNvPr>
+            <p:cNvSpPr/>
+            <p:nvPr/>
+          </p:nvSpPr>
+          <p:spPr>
+            <a:xfrm>
+              <a:off x="2470639" y="501162"/>
+              <a:ext cx="2329962" cy="439615"/>
+            </a:xfrm>
+            <a:prstGeom prst="rect">
+              <a:avLst/>
+            </a:prstGeom>
+            <a:noFill/>
+            <a:ln w="28575">
+              <a:solidFill>
+                <a:schemeClr val="tx1"/>
+              </a:solidFill>
+            </a:ln>
+          </p:spPr>
+          <p:style>
+            <a:lnRef idx="2">
+              <a:schemeClr val="accent1">
+                <a:shade val="50000"/>
+              </a:schemeClr>
+            </a:lnRef>
+            <a:fillRef idx="1">
+              <a:schemeClr val="accent1"/>
+            </a:fillRef>
+            <a:effectRef idx="0">
+              <a:schemeClr val="accent1"/>
+            </a:effectRef>
+            <a:fontRef idx="minor">
+              <a:schemeClr val="lt1"/>
+            </a:fontRef>
+          </p:style>
+          <p:txBody>
+            <a:bodyPr rtlCol="0" anchor="ctr"/>
+            <a:lstStyle/>
+            <a:p>
+              <a:pPr algn="ctr"/>
+              <a:endParaRPr lang="de-DE"/>
+            </a:p>
+          </p:txBody>
+        </p:sp>
+      </p:grpSp>
+      <p:grpSp>
+        <p:nvGrpSpPr>
+          <p:cNvPr id="37" name="Groupe 36">
+            <a:extLst>
+              <a:ext uri="{FF2B5EF4-FFF2-40B4-BE49-F238E27FC236}">
+                <a16:creationId xmlns:a16="http://schemas.microsoft.com/office/drawing/2014/main" id="{76220593-AD6C-40DF-B035-F455B4EF97AA}"/>
+              </a:ext>
+            </a:extLst>
+          </p:cNvPr>
+          <p:cNvGrpSpPr/>
+          <p:nvPr/>
+        </p:nvGrpSpPr>
+        <p:grpSpPr>
+          <a:xfrm>
+            <a:off x="7329853" y="2588740"/>
+            <a:ext cx="1456592" cy="3335215"/>
+            <a:chOff x="2470639" y="501162"/>
+            <a:chExt cx="2329962" cy="439615"/>
+          </a:xfrm>
+        </p:grpSpPr>
+        <p:sp>
+          <p:nvSpPr>
+            <p:cNvPr id="38" name="ZoneTexte 37">
+              <a:extLst>
+                <a:ext uri="{FF2B5EF4-FFF2-40B4-BE49-F238E27FC236}">
+                  <a16:creationId xmlns:a16="http://schemas.microsoft.com/office/drawing/2014/main" id="{15A13D8F-AFB5-4999-BBEA-A598146F5A49}"/>
+                </a:ext>
+              </a:extLst>
+            </p:cNvPr>
+            <p:cNvSpPr txBox="1"/>
+            <p:nvPr/>
+          </p:nvSpPr>
+          <p:spPr>
+            <a:xfrm>
+              <a:off x="2470639" y="501162"/>
+              <a:ext cx="2329962" cy="340772"/>
+            </a:xfrm>
+            <a:prstGeom prst="rect">
+              <a:avLst/>
+            </a:prstGeom>
+            <a:noFill/>
+          </p:spPr>
+          <p:txBody>
+            <a:bodyPr wrap="square" rtlCol="0">
+              <a:spAutoFit/>
+            </a:bodyPr>
+            <a:lstStyle/>
+            <a:p>
+              <a:pPr algn="ctr"/>
+              <a:r>
+                <a:rPr lang="de-DE" dirty="0"/>
+                <a:t>Elektroauto-Verkauf </a:t>
+              </a:r>
+            </a:p>
+            <a:p>
+              <a:pPr algn="ctr"/>
+              <a:r>
+                <a:rPr lang="de-DE" dirty="0"/>
+                <a:t>Ca. 100 000 in 2017</a:t>
+              </a:r>
+            </a:p>
+            <a:p>
+              <a:pPr algn="ctr"/>
+              <a:endParaRPr lang="de-DE" dirty="0"/>
+            </a:p>
+            <a:p>
+              <a:pPr algn="ctr"/>
+              <a:r>
+                <a:rPr lang="de-DE" dirty="0"/>
+                <a:t>Powerpack und Powerwall 2</a:t>
+              </a:r>
+            </a:p>
+            <a:p>
+              <a:pPr algn="ctr"/>
+              <a:endParaRPr lang="de-DE" dirty="0"/>
+            </a:p>
+          </p:txBody>
+        </p:sp>
+        <p:sp>
+          <p:nvSpPr>
+            <p:cNvPr id="39" name="Rectangle 38">
+              <a:extLst>
+                <a:ext uri="{FF2B5EF4-FFF2-40B4-BE49-F238E27FC236}">
+                  <a16:creationId xmlns:a16="http://schemas.microsoft.com/office/drawing/2014/main" id="{85AF9FA7-A931-41B9-A784-03173AF8ADFF}"/>
+                </a:ext>
+              </a:extLst>
+            </p:cNvPr>
+            <p:cNvSpPr/>
+            <p:nvPr/>
+          </p:nvSpPr>
+          <p:spPr>
+            <a:xfrm>
+              <a:off x="2470639" y="501162"/>
+              <a:ext cx="2329962" cy="439615"/>
+            </a:xfrm>
+            <a:prstGeom prst="rect">
+              <a:avLst/>
+            </a:prstGeom>
+            <a:noFill/>
+            <a:ln w="28575">
+              <a:solidFill>
+                <a:schemeClr val="tx1"/>
+              </a:solidFill>
+            </a:ln>
+          </p:spPr>
+          <p:style>
+            <a:lnRef idx="2">
+              <a:schemeClr val="accent1">
+                <a:shade val="50000"/>
+              </a:schemeClr>
+            </a:lnRef>
+            <a:fillRef idx="1">
+              <a:schemeClr val="accent1"/>
+            </a:fillRef>
+            <a:effectRef idx="0">
+              <a:schemeClr val="accent1"/>
+            </a:effectRef>
+            <a:fontRef idx="minor">
+              <a:schemeClr val="lt1"/>
+            </a:fontRef>
+          </p:style>
+          <p:txBody>
+            <a:bodyPr rtlCol="0" anchor="ctr"/>
+            <a:lstStyle/>
+            <a:p>
+              <a:pPr algn="ctr"/>
+              <a:endParaRPr lang="de-DE"/>
+            </a:p>
+          </p:txBody>
+        </p:sp>
+      </p:grpSp>
+      <p:grpSp>
+        <p:nvGrpSpPr>
+          <p:cNvPr id="40" name="Groupe 39">
+            <a:extLst>
+              <a:ext uri="{FF2B5EF4-FFF2-40B4-BE49-F238E27FC236}">
+                <a16:creationId xmlns:a16="http://schemas.microsoft.com/office/drawing/2014/main" id="{5D47F6BD-D5C1-4F63-8935-94675B36D5A3}"/>
+              </a:ext>
+            </a:extLst>
+          </p:cNvPr>
+          <p:cNvGrpSpPr/>
+          <p:nvPr/>
+        </p:nvGrpSpPr>
+        <p:grpSpPr>
+          <a:xfrm>
+            <a:off x="9292002" y="2592292"/>
+            <a:ext cx="1456592" cy="3335215"/>
+            <a:chOff x="2470639" y="501162"/>
+            <a:chExt cx="2329962" cy="439615"/>
+          </a:xfrm>
+        </p:grpSpPr>
+        <p:sp>
+          <p:nvSpPr>
+            <p:cNvPr id="41" name="ZoneTexte 40">
+              <a:extLst>
+                <a:ext uri="{FF2B5EF4-FFF2-40B4-BE49-F238E27FC236}">
+                  <a16:creationId xmlns:a16="http://schemas.microsoft.com/office/drawing/2014/main" id="{F2CD58D6-D6F4-4474-9245-08C86698996C}"/>
+                </a:ext>
+              </a:extLst>
+            </p:cNvPr>
+            <p:cNvSpPr txBox="1"/>
+            <p:nvPr/>
+          </p:nvSpPr>
+          <p:spPr>
+            <a:xfrm>
+              <a:off x="2470639" y="501162"/>
+              <a:ext cx="2329962" cy="158215"/>
+            </a:xfrm>
+            <a:prstGeom prst="rect">
+              <a:avLst/>
+            </a:prstGeom>
+            <a:noFill/>
+          </p:spPr>
+          <p:txBody>
+            <a:bodyPr wrap="square" rtlCol="0">
+              <a:spAutoFit/>
+            </a:bodyPr>
+            <a:lstStyle/>
+            <a:p>
+              <a:pPr algn="ctr"/>
+              <a:r>
+                <a:rPr lang="de-DE" dirty="0"/>
+                <a:t>Investoren</a:t>
+              </a:r>
+            </a:p>
+            <a:p>
+              <a:pPr algn="ctr"/>
+              <a:endParaRPr lang="de-DE" dirty="0"/>
+            </a:p>
+            <a:p>
+              <a:pPr algn="ctr"/>
+              <a:r>
+                <a:rPr lang="de-DE" dirty="0"/>
+                <a:t>Privat-finanzierung</a:t>
+              </a:r>
+            </a:p>
+          </p:txBody>
+        </p:sp>
+        <p:sp>
+          <p:nvSpPr>
+            <p:cNvPr id="42" name="Rectangle 41">
+              <a:extLst>
+                <a:ext uri="{FF2B5EF4-FFF2-40B4-BE49-F238E27FC236}">
+                  <a16:creationId xmlns:a16="http://schemas.microsoft.com/office/drawing/2014/main" id="{F4B6B005-3155-4B8C-91AF-40FC6E966999}"/>
+                </a:ext>
+              </a:extLst>
+            </p:cNvPr>
+            <p:cNvSpPr/>
+            <p:nvPr/>
+          </p:nvSpPr>
+          <p:spPr>
+            <a:xfrm>
+              <a:off x="2470639" y="501162"/>
+              <a:ext cx="2329962" cy="439615"/>
+            </a:xfrm>
+            <a:prstGeom prst="rect">
+              <a:avLst/>
+            </a:prstGeom>
+            <a:noFill/>
+            <a:ln w="28575">
+              <a:solidFill>
+                <a:schemeClr val="tx1"/>
+              </a:solidFill>
+            </a:ln>
+          </p:spPr>
+          <p:style>
+            <a:lnRef idx="2">
+              <a:schemeClr val="accent1">
+                <a:shade val="50000"/>
+              </a:schemeClr>
+            </a:lnRef>
+            <a:fillRef idx="1">
+              <a:schemeClr val="accent1"/>
+            </a:fillRef>
+            <a:effectRef idx="0">
+              <a:schemeClr val="accent1"/>
+            </a:effectRef>
+            <a:fontRef idx="minor">
+              <a:schemeClr val="lt1"/>
+            </a:fontRef>
+          </p:style>
+          <p:txBody>
+            <a:bodyPr rtlCol="0" anchor="ctr"/>
+            <a:lstStyle/>
+            <a:p>
+              <a:pPr algn="ctr"/>
+              <a:endParaRPr lang="de-DE"/>
+            </a:p>
+          </p:txBody>
+        </p:sp>
+      </p:grpSp>
+      <p:cxnSp>
+        <p:nvCxnSpPr>
+          <p:cNvPr id="44" name="Connecteur droit 43">
+            <a:extLst>
+              <a:ext uri="{FF2B5EF4-FFF2-40B4-BE49-F238E27FC236}">
+                <a16:creationId xmlns:a16="http://schemas.microsoft.com/office/drawing/2014/main" id="{92CE2EF8-1C8C-40C8-8E2D-D01B9C9AE3FC}"/>
+              </a:ext>
+            </a:extLst>
+          </p:cNvPr>
+          <p:cNvCxnSpPr>
+            <a:stCxn id="21" idx="2"/>
+            <a:endCxn id="41" idx="0"/>
+          </p:cNvCxnSpPr>
+          <p:nvPr/>
+        </p:nvCxnSpPr>
+        <p:spPr>
+          <a:xfrm>
+            <a:off x="10020298" y="1761395"/>
+            <a:ext cx="0" cy="830897"/>
+          </a:xfrm>
+          <a:prstGeom prst="line">
+            <a:avLst/>
+          </a:prstGeom>
+          <a:ln w="28575">
+            <a:solidFill>
+              <a:schemeClr val="tx1"/>
+            </a:solidFill>
+          </a:ln>
+        </p:spPr>
+        <p:style>
+          <a:lnRef idx="1">
+            <a:schemeClr val="dk1"/>
+          </a:lnRef>
+          <a:fillRef idx="0">
+            <a:schemeClr val="dk1"/>
+          </a:fillRef>
+          <a:effectRef idx="0">
+            <a:schemeClr val="dk1"/>
+          </a:effectRef>
+          <a:fontRef idx="minor">
+            <a:schemeClr val="tx1"/>
+          </a:fontRef>
+        </p:style>
+      </p:cxnSp>
+      <p:cxnSp>
+        <p:nvCxnSpPr>
+          <p:cNvPr id="45" name="Connecteur droit 44">
+            <a:extLst>
+              <a:ext uri="{FF2B5EF4-FFF2-40B4-BE49-F238E27FC236}">
+                <a16:creationId xmlns:a16="http://schemas.microsoft.com/office/drawing/2014/main" id="{117BAAD1-5668-411C-B13D-22FC74E52BBD}"/>
+              </a:ext>
+            </a:extLst>
+          </p:cNvPr>
+          <p:cNvCxnSpPr>
+            <a:cxnSpLocks/>
+            <a:stCxn id="18" idx="2"/>
+            <a:endCxn id="39" idx="0"/>
+          </p:cNvCxnSpPr>
+          <p:nvPr/>
+        </p:nvCxnSpPr>
+        <p:spPr>
+          <a:xfrm>
+            <a:off x="8058149" y="1761395"/>
+            <a:ext cx="0" cy="827345"/>
+          </a:xfrm>
+          <a:prstGeom prst="line">
+            <a:avLst/>
+          </a:prstGeom>
+          <a:ln w="28575">
+            <a:solidFill>
+              <a:schemeClr val="tx1"/>
+            </a:solidFill>
+          </a:ln>
+        </p:spPr>
+        <p:style>
+          <a:lnRef idx="1">
+            <a:schemeClr val="dk1"/>
+          </a:lnRef>
+          <a:fillRef idx="0">
+            <a:schemeClr val="dk1"/>
+          </a:fillRef>
+          <a:effectRef idx="0">
+            <a:schemeClr val="dk1"/>
+          </a:effectRef>
+          <a:fontRef idx="minor">
+            <a:schemeClr val="tx1"/>
+          </a:fontRef>
+        </p:style>
+      </p:cxnSp>
+      <p:cxnSp>
+        <p:nvCxnSpPr>
+          <p:cNvPr id="48" name="Connecteur droit 47">
+            <a:extLst>
+              <a:ext uri="{FF2B5EF4-FFF2-40B4-BE49-F238E27FC236}">
+                <a16:creationId xmlns:a16="http://schemas.microsoft.com/office/drawing/2014/main" id="{DF58B9AC-113F-4475-B76F-25AD81452150}"/>
+              </a:ext>
+            </a:extLst>
+          </p:cNvPr>
+          <p:cNvCxnSpPr>
+            <a:cxnSpLocks/>
+            <a:stCxn id="15" idx="2"/>
+            <a:endCxn id="24" idx="0"/>
+          </p:cNvCxnSpPr>
+          <p:nvPr/>
+        </p:nvCxnSpPr>
+        <p:spPr>
+          <a:xfrm>
+            <a:off x="6096000" y="1755530"/>
+            <a:ext cx="0" cy="833210"/>
+          </a:xfrm>
+          <a:prstGeom prst="line">
+            <a:avLst/>
+          </a:prstGeom>
+          <a:ln w="28575">
+            <a:solidFill>
+              <a:schemeClr val="tx1"/>
+            </a:solidFill>
+          </a:ln>
+        </p:spPr>
+        <p:style>
+          <a:lnRef idx="1">
+            <a:schemeClr val="dk1"/>
+          </a:lnRef>
+          <a:fillRef idx="0">
+            <a:schemeClr val="dk1"/>
+          </a:fillRef>
+          <a:effectRef idx="0">
+            <a:schemeClr val="dk1"/>
+          </a:effectRef>
+          <a:fontRef idx="minor">
+            <a:schemeClr val="tx1"/>
+          </a:fontRef>
+        </p:style>
+      </p:cxnSp>
+      <p:cxnSp>
+        <p:nvCxnSpPr>
+          <p:cNvPr id="51" name="Connecteur droit 50">
+            <a:extLst>
+              <a:ext uri="{FF2B5EF4-FFF2-40B4-BE49-F238E27FC236}">
+                <a16:creationId xmlns:a16="http://schemas.microsoft.com/office/drawing/2014/main" id="{24BAC4C3-2741-44D5-A940-DA4AF047885C}"/>
+              </a:ext>
+            </a:extLst>
+          </p:cNvPr>
+          <p:cNvCxnSpPr>
+            <a:cxnSpLocks/>
+            <a:stCxn id="12" idx="2"/>
+            <a:endCxn id="36" idx="0"/>
+          </p:cNvCxnSpPr>
+          <p:nvPr/>
+        </p:nvCxnSpPr>
+        <p:spPr>
+          <a:xfrm>
+            <a:off x="4133851" y="1755530"/>
+            <a:ext cx="0" cy="833211"/>
+          </a:xfrm>
+          <a:prstGeom prst="line">
+            <a:avLst/>
+          </a:prstGeom>
+          <a:ln w="28575">
+            <a:solidFill>
+              <a:schemeClr val="tx1"/>
+            </a:solidFill>
+          </a:ln>
+        </p:spPr>
+        <p:style>
+          <a:lnRef idx="1">
+            <a:schemeClr val="dk1"/>
+          </a:lnRef>
+          <a:fillRef idx="0">
+            <a:schemeClr val="dk1"/>
+          </a:fillRef>
+          <a:effectRef idx="0">
+            <a:schemeClr val="dk1"/>
+          </a:effectRef>
+          <a:fontRef idx="minor">
+            <a:schemeClr val="tx1"/>
+          </a:fontRef>
+        </p:style>
+      </p:cxnSp>
+      <p:cxnSp>
+        <p:nvCxnSpPr>
+          <p:cNvPr id="54" name="Connecteur droit 53">
+            <a:extLst>
+              <a:ext uri="{FF2B5EF4-FFF2-40B4-BE49-F238E27FC236}">
+                <a16:creationId xmlns:a16="http://schemas.microsoft.com/office/drawing/2014/main" id="{7F423E49-E4A6-496A-9E86-A85A1080DFAA}"/>
+              </a:ext>
+            </a:extLst>
+          </p:cNvPr>
+          <p:cNvCxnSpPr>
+            <a:cxnSpLocks/>
+            <a:stCxn id="33" idx="3"/>
+          </p:cNvCxnSpPr>
+          <p:nvPr/>
+        </p:nvCxnSpPr>
+        <p:spPr>
+          <a:xfrm flipV="1">
+            <a:off x="2253762" y="3134515"/>
+            <a:ext cx="1151793" cy="2875"/>
+          </a:xfrm>
+          <a:prstGeom prst="line">
+            <a:avLst/>
+          </a:prstGeom>
+          <a:ln w="28575">
+            <a:solidFill>
+              <a:schemeClr val="tx1"/>
+            </a:solidFill>
+          </a:ln>
+        </p:spPr>
+        <p:style>
+          <a:lnRef idx="1">
+            <a:schemeClr val="dk1"/>
+          </a:lnRef>
+          <a:fillRef idx="0">
+            <a:schemeClr val="dk1"/>
+          </a:fillRef>
+          <a:effectRef idx="0">
+            <a:schemeClr val="dk1"/>
+          </a:effectRef>
+          <a:fontRef idx="minor">
+            <a:schemeClr val="tx1"/>
+          </a:fontRef>
+        </p:style>
+      </p:cxnSp>
+      <p:cxnSp>
+        <p:nvCxnSpPr>
+          <p:cNvPr id="57" name="Connecteur droit 56">
+            <a:extLst>
+              <a:ext uri="{FF2B5EF4-FFF2-40B4-BE49-F238E27FC236}">
+                <a16:creationId xmlns:a16="http://schemas.microsoft.com/office/drawing/2014/main" id="{B5601D31-5BE3-438E-8227-DCD55CB76280}"/>
+              </a:ext>
+            </a:extLst>
+          </p:cNvPr>
+          <p:cNvCxnSpPr>
+            <a:cxnSpLocks/>
+            <a:stCxn id="27" idx="3"/>
+          </p:cNvCxnSpPr>
+          <p:nvPr/>
+        </p:nvCxnSpPr>
+        <p:spPr>
+          <a:xfrm flipV="1">
+            <a:off x="2253762" y="4099002"/>
+            <a:ext cx="1151793" cy="4091"/>
+          </a:xfrm>
+          <a:prstGeom prst="line">
+            <a:avLst/>
+          </a:prstGeom>
+          <a:ln w="28575">
+            <a:solidFill>
+              <a:schemeClr val="tx1"/>
+            </a:solidFill>
+          </a:ln>
+        </p:spPr>
+        <p:style>
+          <a:lnRef idx="1">
+            <a:schemeClr val="dk1"/>
+          </a:lnRef>
+          <a:fillRef idx="0">
+            <a:schemeClr val="dk1"/>
+          </a:fillRef>
+          <a:effectRef idx="0">
+            <a:schemeClr val="dk1"/>
+          </a:effectRef>
+          <a:fontRef idx="minor">
+            <a:schemeClr val="tx1"/>
+          </a:fontRef>
+        </p:style>
+      </p:cxnSp>
+      <p:cxnSp>
+        <p:nvCxnSpPr>
+          <p:cNvPr id="60" name="Connecteur droit 59">
+            <a:extLst>
+              <a:ext uri="{FF2B5EF4-FFF2-40B4-BE49-F238E27FC236}">
+                <a16:creationId xmlns:a16="http://schemas.microsoft.com/office/drawing/2014/main" id="{54BFFB1E-BB3A-4F14-8B69-E6DF8246EEB0}"/>
+              </a:ext>
+            </a:extLst>
+          </p:cNvPr>
+          <p:cNvCxnSpPr>
+            <a:cxnSpLocks/>
+            <a:stCxn id="30" idx="3"/>
+          </p:cNvCxnSpPr>
+          <p:nvPr/>
+        </p:nvCxnSpPr>
+        <p:spPr>
+          <a:xfrm>
+            <a:off x="2253762" y="5279783"/>
+            <a:ext cx="1151793" cy="0"/>
+          </a:xfrm>
+          <a:prstGeom prst="line">
+            <a:avLst/>
+          </a:prstGeom>
+          <a:ln w="28575">
+            <a:solidFill>
+              <a:schemeClr val="tx1"/>
+            </a:solidFill>
+          </a:ln>
+        </p:spPr>
+        <p:style>
+          <a:lnRef idx="1">
+            <a:schemeClr val="dk1"/>
+          </a:lnRef>
+          <a:fillRef idx="0">
+            <a:schemeClr val="dk1"/>
+          </a:fillRef>
+          <a:effectRef idx="0">
+            <a:schemeClr val="dk1"/>
+          </a:effectRef>
+          <a:fontRef idx="minor">
+            <a:schemeClr val="tx1"/>
+          </a:fontRef>
+        </p:style>
+      </p:cxnSp>
+      <p:cxnSp>
+        <p:nvCxnSpPr>
+          <p:cNvPr id="63" name="Connecteur droit 62">
+            <a:extLst>
+              <a:ext uri="{FF2B5EF4-FFF2-40B4-BE49-F238E27FC236}">
+                <a16:creationId xmlns:a16="http://schemas.microsoft.com/office/drawing/2014/main" id="{D4DDB326-F0A4-429F-A864-023A412DA396}"/>
+              </a:ext>
+            </a:extLst>
+          </p:cNvPr>
+          <p:cNvCxnSpPr>
+            <a:cxnSpLocks/>
+          </p:cNvCxnSpPr>
+          <p:nvPr/>
+        </p:nvCxnSpPr>
+        <p:spPr>
+          <a:xfrm flipH="1">
+            <a:off x="4862147" y="5279783"/>
+            <a:ext cx="505557" cy="0"/>
+          </a:xfrm>
+          <a:prstGeom prst="line">
+            <a:avLst/>
+          </a:prstGeom>
+          <a:ln w="28575">
+            <a:solidFill>
+              <a:schemeClr val="tx1"/>
+            </a:solidFill>
+          </a:ln>
+        </p:spPr>
+        <p:style>
+          <a:lnRef idx="1">
+            <a:schemeClr val="dk1"/>
+          </a:lnRef>
+          <a:fillRef idx="0">
+            <a:schemeClr val="dk1"/>
+          </a:fillRef>
+          <a:effectRef idx="0">
+            <a:schemeClr val="dk1"/>
+          </a:effectRef>
+          <a:fontRef idx="minor">
+            <a:schemeClr val="tx1"/>
+          </a:fontRef>
+        </p:style>
+      </p:cxnSp>
+      <p:cxnSp>
+        <p:nvCxnSpPr>
+          <p:cNvPr id="66" name="Connecteur droit 65">
+            <a:extLst>
+              <a:ext uri="{FF2B5EF4-FFF2-40B4-BE49-F238E27FC236}">
+                <a16:creationId xmlns:a16="http://schemas.microsoft.com/office/drawing/2014/main" id="{3402D31D-2B48-47B8-92BF-141307E392EC}"/>
+              </a:ext>
+            </a:extLst>
+          </p:cNvPr>
+          <p:cNvCxnSpPr>
+            <a:cxnSpLocks/>
+          </p:cNvCxnSpPr>
+          <p:nvPr/>
+        </p:nvCxnSpPr>
+        <p:spPr>
+          <a:xfrm flipH="1">
+            <a:off x="6824296" y="5279783"/>
+            <a:ext cx="505557" cy="0"/>
+          </a:xfrm>
+          <a:prstGeom prst="line">
+            <a:avLst/>
+          </a:prstGeom>
+          <a:ln w="28575">
+            <a:solidFill>
+              <a:schemeClr val="tx1"/>
+            </a:solidFill>
+          </a:ln>
+        </p:spPr>
+        <p:style>
+          <a:lnRef idx="1">
+            <a:schemeClr val="dk1"/>
+          </a:lnRef>
+          <a:fillRef idx="0">
+            <a:schemeClr val="dk1"/>
+          </a:fillRef>
+          <a:effectRef idx="0">
+            <a:schemeClr val="dk1"/>
+          </a:effectRef>
+          <a:fontRef idx="minor">
+            <a:schemeClr val="tx1"/>
+          </a:fontRef>
+        </p:style>
+      </p:cxnSp>
+      <p:cxnSp>
+        <p:nvCxnSpPr>
+          <p:cNvPr id="67" name="Connecteur droit 66">
+            <a:extLst>
+              <a:ext uri="{FF2B5EF4-FFF2-40B4-BE49-F238E27FC236}">
+                <a16:creationId xmlns:a16="http://schemas.microsoft.com/office/drawing/2014/main" id="{0AE24C31-C5AC-497F-BF9A-F47EC87C8AFD}"/>
+              </a:ext>
+            </a:extLst>
+          </p:cNvPr>
+          <p:cNvCxnSpPr>
+            <a:cxnSpLocks/>
+          </p:cNvCxnSpPr>
+          <p:nvPr/>
+        </p:nvCxnSpPr>
+        <p:spPr>
+          <a:xfrm flipH="1">
+            <a:off x="8786445" y="5271286"/>
+            <a:ext cx="505557" cy="0"/>
+          </a:xfrm>
+          <a:prstGeom prst="line">
+            <a:avLst/>
+          </a:prstGeom>
+          <a:ln w="28575">
+            <a:solidFill>
+              <a:schemeClr val="tx1"/>
+            </a:solidFill>
+          </a:ln>
+        </p:spPr>
+        <p:style>
+          <a:lnRef idx="1">
+            <a:schemeClr val="dk1"/>
+          </a:lnRef>
+          <a:fillRef idx="0">
+            <a:schemeClr val="dk1"/>
+          </a:fillRef>
+          <a:effectRef idx="0">
+            <a:schemeClr val="dk1"/>
+          </a:effectRef>
+          <a:fontRef idx="minor">
+            <a:schemeClr val="tx1"/>
+          </a:fontRef>
+        </p:style>
+      </p:cxnSp>
+      <p:cxnSp>
+        <p:nvCxnSpPr>
+          <p:cNvPr id="68" name="Connecteur droit 67">
+            <a:extLst>
+              <a:ext uri="{FF2B5EF4-FFF2-40B4-BE49-F238E27FC236}">
+                <a16:creationId xmlns:a16="http://schemas.microsoft.com/office/drawing/2014/main" id="{C4669049-D03C-4FBE-9390-84B31824E4E1}"/>
+              </a:ext>
+            </a:extLst>
+          </p:cNvPr>
+          <p:cNvCxnSpPr>
+            <a:cxnSpLocks/>
+          </p:cNvCxnSpPr>
+          <p:nvPr/>
+        </p:nvCxnSpPr>
+        <p:spPr>
+          <a:xfrm flipH="1">
+            <a:off x="4862147" y="4099002"/>
+            <a:ext cx="505557" cy="0"/>
+          </a:xfrm>
+          <a:prstGeom prst="line">
+            <a:avLst/>
+          </a:prstGeom>
+          <a:ln w="28575">
+            <a:solidFill>
+              <a:schemeClr val="tx1"/>
+            </a:solidFill>
+          </a:ln>
+        </p:spPr>
+        <p:style>
+          <a:lnRef idx="1">
+            <a:schemeClr val="dk1"/>
+          </a:lnRef>
+          <a:fillRef idx="0">
+            <a:schemeClr val="dk1"/>
+          </a:fillRef>
+          <a:effectRef idx="0">
+            <a:schemeClr val="dk1"/>
+          </a:effectRef>
+          <a:fontRef idx="minor">
+            <a:schemeClr val="tx1"/>
+          </a:fontRef>
+        </p:style>
+      </p:cxnSp>
+      <p:cxnSp>
+        <p:nvCxnSpPr>
+          <p:cNvPr id="69" name="Connecteur droit 68">
+            <a:extLst>
+              <a:ext uri="{FF2B5EF4-FFF2-40B4-BE49-F238E27FC236}">
+                <a16:creationId xmlns:a16="http://schemas.microsoft.com/office/drawing/2014/main" id="{88A32F56-BB95-4014-A421-2BFBE5488163}"/>
+              </a:ext>
+            </a:extLst>
+          </p:cNvPr>
+          <p:cNvCxnSpPr>
+            <a:cxnSpLocks/>
+          </p:cNvCxnSpPr>
+          <p:nvPr/>
+        </p:nvCxnSpPr>
+        <p:spPr>
+          <a:xfrm flipH="1">
+            <a:off x="6824296" y="4099002"/>
+            <a:ext cx="505557" cy="0"/>
+          </a:xfrm>
+          <a:prstGeom prst="line">
+            <a:avLst/>
+          </a:prstGeom>
+          <a:ln w="28575">
+            <a:solidFill>
+              <a:schemeClr val="tx1"/>
+            </a:solidFill>
+          </a:ln>
+        </p:spPr>
+        <p:style>
+          <a:lnRef idx="1">
+            <a:schemeClr val="dk1"/>
+          </a:lnRef>
+          <a:fillRef idx="0">
+            <a:schemeClr val="dk1"/>
+          </a:fillRef>
+          <a:effectRef idx="0">
+            <a:schemeClr val="dk1"/>
+          </a:effectRef>
+          <a:fontRef idx="minor">
+            <a:schemeClr val="tx1"/>
+          </a:fontRef>
+        </p:style>
+      </p:cxnSp>
+      <p:cxnSp>
+        <p:nvCxnSpPr>
+          <p:cNvPr id="70" name="Connecteur droit 69">
+            <a:extLst>
+              <a:ext uri="{FF2B5EF4-FFF2-40B4-BE49-F238E27FC236}">
+                <a16:creationId xmlns:a16="http://schemas.microsoft.com/office/drawing/2014/main" id="{6B2355BA-E9A8-4669-BD50-C022A006253E}"/>
+              </a:ext>
+            </a:extLst>
+          </p:cNvPr>
+          <p:cNvCxnSpPr>
+            <a:cxnSpLocks/>
+          </p:cNvCxnSpPr>
+          <p:nvPr/>
+        </p:nvCxnSpPr>
+        <p:spPr>
+          <a:xfrm flipH="1">
+            <a:off x="8786445" y="4090505"/>
+            <a:ext cx="505557" cy="0"/>
+          </a:xfrm>
+          <a:prstGeom prst="line">
+            <a:avLst/>
+          </a:prstGeom>
+          <a:ln w="28575">
+            <a:solidFill>
+              <a:schemeClr val="tx1"/>
+            </a:solidFill>
+          </a:ln>
+        </p:spPr>
+        <p:style>
+          <a:lnRef idx="1">
+            <a:schemeClr val="dk1"/>
+          </a:lnRef>
+          <a:fillRef idx="0">
+            <a:schemeClr val="dk1"/>
+          </a:fillRef>
+          <a:effectRef idx="0">
+            <a:schemeClr val="dk1"/>
+          </a:effectRef>
+          <a:fontRef idx="minor">
+            <a:schemeClr val="tx1"/>
+          </a:fontRef>
+        </p:style>
+      </p:cxnSp>
+      <p:cxnSp>
+        <p:nvCxnSpPr>
+          <p:cNvPr id="71" name="Connecteur droit 70">
+            <a:extLst>
+              <a:ext uri="{FF2B5EF4-FFF2-40B4-BE49-F238E27FC236}">
+                <a16:creationId xmlns:a16="http://schemas.microsoft.com/office/drawing/2014/main" id="{DD939BD1-28D7-4603-9B65-02965FF40FBA}"/>
+              </a:ext>
+            </a:extLst>
+          </p:cNvPr>
+          <p:cNvCxnSpPr>
+            <a:cxnSpLocks/>
+          </p:cNvCxnSpPr>
+          <p:nvPr/>
+        </p:nvCxnSpPr>
+        <p:spPr>
+          <a:xfrm flipH="1">
+            <a:off x="4862147" y="3124550"/>
+            <a:ext cx="505557" cy="0"/>
+          </a:xfrm>
+          <a:prstGeom prst="line">
+            <a:avLst/>
+          </a:prstGeom>
+          <a:ln w="28575">
+            <a:solidFill>
+              <a:schemeClr val="tx1"/>
+            </a:solidFill>
+          </a:ln>
+        </p:spPr>
+        <p:style>
+          <a:lnRef idx="1">
+            <a:schemeClr val="dk1"/>
+          </a:lnRef>
+          <a:fillRef idx="0">
+            <a:schemeClr val="dk1"/>
+          </a:fillRef>
+          <a:effectRef idx="0">
+            <a:schemeClr val="dk1"/>
+          </a:effectRef>
+          <a:fontRef idx="minor">
+            <a:schemeClr val="tx1"/>
+          </a:fontRef>
+        </p:style>
+      </p:cxnSp>
+      <p:cxnSp>
+        <p:nvCxnSpPr>
+          <p:cNvPr id="72" name="Connecteur droit 71">
+            <a:extLst>
+              <a:ext uri="{FF2B5EF4-FFF2-40B4-BE49-F238E27FC236}">
+                <a16:creationId xmlns:a16="http://schemas.microsoft.com/office/drawing/2014/main" id="{93BFED04-9AA2-4D73-A12A-A9C98E608AC1}"/>
+              </a:ext>
+            </a:extLst>
+          </p:cNvPr>
+          <p:cNvCxnSpPr>
+            <a:cxnSpLocks/>
+          </p:cNvCxnSpPr>
+          <p:nvPr/>
+        </p:nvCxnSpPr>
+        <p:spPr>
+          <a:xfrm flipH="1">
+            <a:off x="6824296" y="3124550"/>
+            <a:ext cx="505557" cy="0"/>
+          </a:xfrm>
+          <a:prstGeom prst="line">
+            <a:avLst/>
+          </a:prstGeom>
+          <a:ln w="28575">
+            <a:solidFill>
+              <a:schemeClr val="tx1"/>
+            </a:solidFill>
+          </a:ln>
+        </p:spPr>
+        <p:style>
+          <a:lnRef idx="1">
+            <a:schemeClr val="dk1"/>
+          </a:lnRef>
+          <a:fillRef idx="0">
+            <a:schemeClr val="dk1"/>
+          </a:fillRef>
+          <a:effectRef idx="0">
+            <a:schemeClr val="dk1"/>
+          </a:effectRef>
+          <a:fontRef idx="minor">
+            <a:schemeClr val="tx1"/>
+          </a:fontRef>
+        </p:style>
+      </p:cxnSp>
+      <p:cxnSp>
+        <p:nvCxnSpPr>
+          <p:cNvPr id="73" name="Connecteur droit 72">
+            <a:extLst>
+              <a:ext uri="{FF2B5EF4-FFF2-40B4-BE49-F238E27FC236}">
+                <a16:creationId xmlns:a16="http://schemas.microsoft.com/office/drawing/2014/main" id="{73CD1AB8-4EE2-40A0-8B09-E29B8EDC12A5}"/>
+              </a:ext>
+            </a:extLst>
+          </p:cNvPr>
+          <p:cNvCxnSpPr>
+            <a:cxnSpLocks/>
+          </p:cNvCxnSpPr>
+          <p:nvPr/>
+        </p:nvCxnSpPr>
+        <p:spPr>
+          <a:xfrm flipH="1">
+            <a:off x="8786445" y="3116053"/>
+            <a:ext cx="505557" cy="0"/>
+          </a:xfrm>
+          <a:prstGeom prst="line">
+            <a:avLst/>
+          </a:prstGeom>
+          <a:ln w="28575">
+            <a:solidFill>
+              <a:schemeClr val="tx1"/>
+            </a:solidFill>
+          </a:ln>
+        </p:spPr>
+        <p:style>
+          <a:lnRef idx="1">
+            <a:schemeClr val="dk1"/>
+          </a:lnRef>
+          <a:fillRef idx="0">
+            <a:schemeClr val="dk1"/>
+          </a:fillRef>
+          <a:effectRef idx="0">
+            <a:schemeClr val="dk1"/>
+          </a:effectRef>
+          <a:fontRef idx="minor">
+            <a:schemeClr val="tx1"/>
+          </a:fontRef>
+        </p:style>
+      </p:cxnSp>
+      <p:cxnSp>
+        <p:nvCxnSpPr>
+          <p:cNvPr id="76" name="Connecteur droit 75">
+            <a:extLst>
+              <a:ext uri="{FF2B5EF4-FFF2-40B4-BE49-F238E27FC236}">
+                <a16:creationId xmlns:a16="http://schemas.microsoft.com/office/drawing/2014/main" id="{F563AEEE-6DEF-42DE-8DEF-C258757F058C}"/>
+              </a:ext>
+            </a:extLst>
+          </p:cNvPr>
+          <p:cNvCxnSpPr>
+            <a:cxnSpLocks/>
+          </p:cNvCxnSpPr>
+          <p:nvPr/>
+        </p:nvCxnSpPr>
+        <p:spPr>
+          <a:xfrm flipH="1">
+            <a:off x="426720" y="3116053"/>
+            <a:ext cx="370451" cy="0"/>
+          </a:xfrm>
+          <a:prstGeom prst="line">
+            <a:avLst/>
+          </a:prstGeom>
+          <a:ln w="28575">
+            <a:solidFill>
+              <a:schemeClr val="tx1"/>
+            </a:solidFill>
+          </a:ln>
+        </p:spPr>
+        <p:style>
+          <a:lnRef idx="1">
+            <a:schemeClr val="dk1"/>
+          </a:lnRef>
+          <a:fillRef idx="0">
+            <a:schemeClr val="dk1"/>
+          </a:fillRef>
+          <a:effectRef idx="0">
+            <a:schemeClr val="dk1"/>
+          </a:effectRef>
+          <a:fontRef idx="minor">
+            <a:schemeClr val="tx1"/>
+          </a:fontRef>
+        </p:style>
+      </p:cxnSp>
+      <p:cxnSp>
+        <p:nvCxnSpPr>
+          <p:cNvPr id="79" name="Connecteur droit 78">
+            <a:extLst>
+              <a:ext uri="{FF2B5EF4-FFF2-40B4-BE49-F238E27FC236}">
+                <a16:creationId xmlns:a16="http://schemas.microsoft.com/office/drawing/2014/main" id="{E126A157-A797-4211-A29F-F96BC3AF1194}"/>
+              </a:ext>
+            </a:extLst>
+          </p:cNvPr>
+          <p:cNvCxnSpPr>
+            <a:cxnSpLocks/>
+          </p:cNvCxnSpPr>
+          <p:nvPr/>
+        </p:nvCxnSpPr>
+        <p:spPr>
+          <a:xfrm flipH="1">
+            <a:off x="426720" y="4099002"/>
+            <a:ext cx="370451" cy="0"/>
+          </a:xfrm>
+          <a:prstGeom prst="line">
+            <a:avLst/>
+          </a:prstGeom>
+          <a:ln w="28575">
+            <a:solidFill>
+              <a:schemeClr val="tx1"/>
+            </a:solidFill>
+          </a:ln>
+        </p:spPr>
+        <p:style>
+          <a:lnRef idx="1">
+            <a:schemeClr val="dk1"/>
+          </a:lnRef>
+          <a:fillRef idx="0">
+            <a:schemeClr val="dk1"/>
+          </a:fillRef>
+          <a:effectRef idx="0">
+            <a:schemeClr val="dk1"/>
+          </a:effectRef>
+          <a:fontRef idx="minor">
+            <a:schemeClr val="tx1"/>
+          </a:fontRef>
+        </p:style>
+      </p:cxnSp>
+      <p:cxnSp>
+        <p:nvCxnSpPr>
+          <p:cNvPr id="80" name="Connecteur droit 79">
+            <a:extLst>
+              <a:ext uri="{FF2B5EF4-FFF2-40B4-BE49-F238E27FC236}">
+                <a16:creationId xmlns:a16="http://schemas.microsoft.com/office/drawing/2014/main" id="{50103B4A-9FFA-4A65-BEC7-ABA94F1159FC}"/>
+              </a:ext>
+            </a:extLst>
+          </p:cNvPr>
+          <p:cNvCxnSpPr>
+            <a:cxnSpLocks/>
+          </p:cNvCxnSpPr>
+          <p:nvPr/>
+        </p:nvCxnSpPr>
+        <p:spPr>
+          <a:xfrm flipH="1">
+            <a:off x="426720" y="5279783"/>
+            <a:ext cx="370451" cy="0"/>
+          </a:xfrm>
+          <a:prstGeom prst="line">
+            <a:avLst/>
+          </a:prstGeom>
+          <a:ln w="28575">
+            <a:solidFill>
+              <a:schemeClr val="tx1"/>
+            </a:solidFill>
+          </a:ln>
+        </p:spPr>
+        <p:style>
+          <a:lnRef idx="1">
+            <a:schemeClr val="dk1"/>
+          </a:lnRef>
+          <a:fillRef idx="0">
+            <a:schemeClr val="dk1"/>
+          </a:fillRef>
+          <a:effectRef idx="0">
+            <a:schemeClr val="dk1"/>
+          </a:effectRef>
+          <a:fontRef idx="minor">
+            <a:schemeClr val="tx1"/>
+          </a:fontRef>
+        </p:style>
+      </p:cxnSp>
+      <p:cxnSp>
+        <p:nvCxnSpPr>
+          <p:cNvPr id="81" name="Connecteur droit 80">
+            <a:extLst>
+              <a:ext uri="{FF2B5EF4-FFF2-40B4-BE49-F238E27FC236}">
+                <a16:creationId xmlns:a16="http://schemas.microsoft.com/office/drawing/2014/main" id="{25DF7B93-ED37-4E34-AC48-512CA1ADED00}"/>
+              </a:ext>
+            </a:extLst>
+          </p:cNvPr>
+          <p:cNvCxnSpPr>
+            <a:cxnSpLocks/>
+          </p:cNvCxnSpPr>
+          <p:nvPr/>
+        </p:nvCxnSpPr>
+        <p:spPr>
+          <a:xfrm>
+            <a:off x="426720" y="2217873"/>
+            <a:ext cx="0" cy="3061910"/>
+          </a:xfrm>
+          <a:prstGeom prst="line">
+            <a:avLst/>
+          </a:prstGeom>
+          <a:ln w="28575">
+            <a:solidFill>
+              <a:schemeClr val="tx1"/>
+            </a:solidFill>
+          </a:ln>
+        </p:spPr>
+        <p:style>
+          <a:lnRef idx="1">
+            <a:schemeClr val="dk1"/>
+          </a:lnRef>
+          <a:fillRef idx="0">
+            <a:schemeClr val="dk1"/>
+          </a:fillRef>
+          <a:effectRef idx="0">
+            <a:schemeClr val="dk1"/>
+          </a:effectRef>
+          <a:fontRef idx="minor">
+            <a:schemeClr val="tx1"/>
+          </a:fontRef>
+        </p:style>
+      </p:cxnSp>
+      <p:cxnSp>
+        <p:nvCxnSpPr>
+          <p:cNvPr id="84" name="Connecteur droit 83">
+            <a:extLst>
+              <a:ext uri="{FF2B5EF4-FFF2-40B4-BE49-F238E27FC236}">
+                <a16:creationId xmlns:a16="http://schemas.microsoft.com/office/drawing/2014/main" id="{C52741A5-ACFA-4150-9F91-A06AE9B29164}"/>
+              </a:ext>
+            </a:extLst>
+          </p:cNvPr>
+          <p:cNvCxnSpPr>
+            <a:cxnSpLocks/>
+          </p:cNvCxnSpPr>
+          <p:nvPr/>
+        </p:nvCxnSpPr>
+        <p:spPr>
+          <a:xfrm flipV="1">
+            <a:off x="426720" y="833876"/>
+            <a:ext cx="2484386" cy="1383998"/>
+          </a:xfrm>
+          <a:prstGeom prst="line">
+            <a:avLst/>
+          </a:prstGeom>
+          <a:ln w="28575">
+            <a:solidFill>
+              <a:schemeClr val="tx1"/>
+            </a:solidFill>
+          </a:ln>
+        </p:spPr>
+        <p:style>
+          <a:lnRef idx="1">
+            <a:schemeClr val="dk1"/>
+          </a:lnRef>
+          <a:fillRef idx="0">
+            <a:schemeClr val="dk1"/>
+          </a:fillRef>
+          <a:effectRef idx="0">
+            <a:schemeClr val="dk1"/>
+          </a:effectRef>
+          <a:fontRef idx="minor">
+            <a:schemeClr val="tx1"/>
+          </a:fontRef>
+        </p:style>
+      </p:cxnSp>
+      <p:cxnSp>
+        <p:nvCxnSpPr>
+          <p:cNvPr id="88" name="Connecteur droit 87">
+            <a:extLst>
+              <a:ext uri="{FF2B5EF4-FFF2-40B4-BE49-F238E27FC236}">
+                <a16:creationId xmlns:a16="http://schemas.microsoft.com/office/drawing/2014/main" id="{0A567DCF-836D-47B6-8B95-F74A505E2328}"/>
+              </a:ext>
+            </a:extLst>
+          </p:cNvPr>
+          <p:cNvCxnSpPr>
+            <a:cxnSpLocks/>
+          </p:cNvCxnSpPr>
+          <p:nvPr/>
+        </p:nvCxnSpPr>
+        <p:spPr>
+          <a:xfrm flipV="1">
+            <a:off x="2911106" y="826096"/>
+            <a:ext cx="7124434" cy="7781"/>
+          </a:xfrm>
+          <a:prstGeom prst="line">
+            <a:avLst/>
+          </a:prstGeom>
+          <a:ln w="28575">
+            <a:solidFill>
+              <a:schemeClr val="tx1"/>
+            </a:solidFill>
+          </a:ln>
+        </p:spPr>
+        <p:style>
+          <a:lnRef idx="1">
+            <a:schemeClr val="dk1"/>
+          </a:lnRef>
+          <a:fillRef idx="0">
+            <a:schemeClr val="dk1"/>
+          </a:fillRef>
+          <a:effectRef idx="0">
+            <a:schemeClr val="dk1"/>
+          </a:effectRef>
+          <a:fontRef idx="minor">
+            <a:schemeClr val="tx1"/>
+          </a:fontRef>
+        </p:style>
+      </p:cxnSp>
+      <p:cxnSp>
+        <p:nvCxnSpPr>
+          <p:cNvPr id="92" name="Connecteur droit 91">
+            <a:extLst>
+              <a:ext uri="{FF2B5EF4-FFF2-40B4-BE49-F238E27FC236}">
+                <a16:creationId xmlns:a16="http://schemas.microsoft.com/office/drawing/2014/main" id="{CBECBE18-7FA6-422F-AD72-E88CA45E0133}"/>
+              </a:ext>
+            </a:extLst>
+          </p:cNvPr>
+          <p:cNvCxnSpPr>
+            <a:cxnSpLocks/>
+            <a:endCxn id="18" idx="0"/>
+          </p:cNvCxnSpPr>
+          <p:nvPr/>
+        </p:nvCxnSpPr>
+        <p:spPr>
+          <a:xfrm>
+            <a:off x="8058148" y="833876"/>
+            <a:ext cx="1" cy="487904"/>
+          </a:xfrm>
+          <a:prstGeom prst="line">
+            <a:avLst/>
+          </a:prstGeom>
+          <a:ln w="28575">
+            <a:solidFill>
+              <a:schemeClr val="tx1"/>
+            </a:solidFill>
+          </a:ln>
+        </p:spPr>
+        <p:style>
+          <a:lnRef idx="1">
+            <a:schemeClr val="dk1"/>
+          </a:lnRef>
+          <a:fillRef idx="0">
+            <a:schemeClr val="dk1"/>
+          </a:fillRef>
+          <a:effectRef idx="0">
+            <a:schemeClr val="dk1"/>
+          </a:effectRef>
+          <a:fontRef idx="minor">
+            <a:schemeClr val="tx1"/>
+          </a:fontRef>
+        </p:style>
+      </p:cxnSp>
+      <p:cxnSp>
+        <p:nvCxnSpPr>
+          <p:cNvPr id="95" name="Connecteur droit 94">
+            <a:extLst>
+              <a:ext uri="{FF2B5EF4-FFF2-40B4-BE49-F238E27FC236}">
+                <a16:creationId xmlns:a16="http://schemas.microsoft.com/office/drawing/2014/main" id="{7191FE58-233E-40C2-9ABE-687483D0B078}"/>
+              </a:ext>
+            </a:extLst>
+          </p:cNvPr>
+          <p:cNvCxnSpPr>
+            <a:cxnSpLocks/>
+            <a:endCxn id="21" idx="0"/>
+          </p:cNvCxnSpPr>
+          <p:nvPr/>
+        </p:nvCxnSpPr>
+        <p:spPr>
+          <a:xfrm>
+            <a:off x="10020298" y="828689"/>
+            <a:ext cx="0" cy="493091"/>
+          </a:xfrm>
+          <a:prstGeom prst="line">
+            <a:avLst/>
+          </a:prstGeom>
+          <a:ln w="28575">
+            <a:solidFill>
+              <a:schemeClr val="tx1"/>
+            </a:solidFill>
+          </a:ln>
+        </p:spPr>
+        <p:style>
+          <a:lnRef idx="1">
+            <a:schemeClr val="dk1"/>
+          </a:lnRef>
+          <a:fillRef idx="0">
+            <a:schemeClr val="dk1"/>
+          </a:fillRef>
+          <a:effectRef idx="0">
+            <a:schemeClr val="dk1"/>
+          </a:effectRef>
+          <a:fontRef idx="minor">
+            <a:schemeClr val="tx1"/>
+          </a:fontRef>
+        </p:style>
+      </p:cxnSp>
+      <p:cxnSp>
+        <p:nvCxnSpPr>
+          <p:cNvPr id="102" name="Connecteur droit 101">
+            <a:extLst>
+              <a:ext uri="{FF2B5EF4-FFF2-40B4-BE49-F238E27FC236}">
+                <a16:creationId xmlns:a16="http://schemas.microsoft.com/office/drawing/2014/main" id="{9FFC8035-37E1-49E3-A1CD-CE979BD67D1C}"/>
+              </a:ext>
+            </a:extLst>
+          </p:cNvPr>
+          <p:cNvCxnSpPr>
+            <a:cxnSpLocks/>
+          </p:cNvCxnSpPr>
+          <p:nvPr/>
+        </p:nvCxnSpPr>
+        <p:spPr>
+          <a:xfrm>
+            <a:off x="4133850" y="833876"/>
+            <a:ext cx="1" cy="487904"/>
+          </a:xfrm>
+          <a:prstGeom prst="line">
+            <a:avLst/>
+          </a:prstGeom>
+          <a:ln w="28575">
+            <a:solidFill>
+              <a:schemeClr val="tx1"/>
+            </a:solidFill>
+          </a:ln>
+        </p:spPr>
+        <p:style>
+          <a:lnRef idx="1">
+            <a:schemeClr val="dk1"/>
+          </a:lnRef>
+          <a:fillRef idx="0">
+            <a:schemeClr val="dk1"/>
+          </a:fillRef>
+          <a:effectRef idx="0">
+            <a:schemeClr val="dk1"/>
+          </a:effectRef>
+          <a:fontRef idx="minor">
+            <a:schemeClr val="tx1"/>
+          </a:fontRef>
+        </p:style>
+      </p:cxnSp>
+      <p:cxnSp>
+        <p:nvCxnSpPr>
+          <p:cNvPr id="103" name="Connecteur droit 102">
+            <a:extLst>
+              <a:ext uri="{FF2B5EF4-FFF2-40B4-BE49-F238E27FC236}">
+                <a16:creationId xmlns:a16="http://schemas.microsoft.com/office/drawing/2014/main" id="{72D97287-5F90-4705-99A6-ECFEB921253E}"/>
+              </a:ext>
+            </a:extLst>
+          </p:cNvPr>
+          <p:cNvCxnSpPr>
+            <a:cxnSpLocks/>
+          </p:cNvCxnSpPr>
+          <p:nvPr/>
+        </p:nvCxnSpPr>
+        <p:spPr>
+          <a:xfrm>
+            <a:off x="6096000" y="828689"/>
+            <a:ext cx="0" cy="493091"/>
+          </a:xfrm>
+          <a:prstGeom prst="line">
+            <a:avLst/>
+          </a:prstGeom>
+          <a:ln w="28575">
+            <a:solidFill>
+              <a:schemeClr val="tx1"/>
+            </a:solidFill>
+          </a:ln>
+        </p:spPr>
+        <p:style>
+          <a:lnRef idx="1">
+            <a:schemeClr val="dk1"/>
+          </a:lnRef>
+          <a:fillRef idx="0">
+            <a:schemeClr val="dk1"/>
+          </a:fillRef>
+          <a:effectRef idx="0">
+            <a:schemeClr val="dk1"/>
+          </a:effectRef>
+          <a:fontRef idx="minor">
+            <a:schemeClr val="tx1"/>
+          </a:fontRef>
+        </p:style>
+      </p:cxnSp>
+      <p:cxnSp>
+        <p:nvCxnSpPr>
+          <p:cNvPr id="104" name="Connecteur droit 103">
+            <a:extLst>
+              <a:ext uri="{FF2B5EF4-FFF2-40B4-BE49-F238E27FC236}">
+                <a16:creationId xmlns:a16="http://schemas.microsoft.com/office/drawing/2014/main" id="{C12148D1-EF80-41B5-A5D7-F2E1760662CC}"/>
+              </a:ext>
+            </a:extLst>
+          </p:cNvPr>
+          <p:cNvCxnSpPr>
+            <a:cxnSpLocks/>
+          </p:cNvCxnSpPr>
+          <p:nvPr/>
+        </p:nvCxnSpPr>
+        <p:spPr>
+          <a:xfrm>
+            <a:off x="1483360" y="1115060"/>
+            <a:ext cx="213281" cy="385521"/>
+          </a:xfrm>
+          <a:prstGeom prst="line">
+            <a:avLst/>
+          </a:prstGeom>
+          <a:ln w="28575">
+            <a:solidFill>
+              <a:schemeClr val="tx1"/>
+            </a:solidFill>
+          </a:ln>
+        </p:spPr>
+        <p:style>
+          <a:lnRef idx="1">
+            <a:schemeClr val="dk1"/>
+          </a:lnRef>
+          <a:fillRef idx="0">
+            <a:schemeClr val="dk1"/>
+          </a:fillRef>
+          <a:effectRef idx="0">
+            <a:schemeClr val="dk1"/>
+          </a:effectRef>
+          <a:fontRef idx="minor">
+            <a:schemeClr val="tx1"/>
+          </a:fontRef>
+        </p:style>
+      </p:cxnSp>
+    </p:spTree>
+    <p:extLst>
+      <p:ext uri="{BB962C8B-B14F-4D97-AF65-F5344CB8AC3E}">
+        <p14:creationId xmlns:p14="http://schemas.microsoft.com/office/powerpoint/2010/main" val="3310816538"/>
+      </p:ext>
+    </p:extLst>
+  </p:cSld>
+  <p:clrMapOvr>
+    <a:masterClrMapping/>
+  </p:clrMapOvr>
+</p:sld>
+</file>
+
+<file path=ppt/slides/slide2.xml><?xml version="1.0" encoding="utf-8"?>
+<p:sld xmlns:a="http://schemas.openxmlformats.org/drawingml/2006/main" xmlns:r="http://schemas.openxmlformats.org/officeDocument/2006/relationships" xmlns:p="http://schemas.openxmlformats.org/presentationml/2006/main">
+  <p:cSld>
+    <p:spTree>
+      <p:nvGrpSpPr>
+        <p:cNvPr id="1" name=""/>
+        <p:cNvGrpSpPr/>
+        <p:nvPr/>
+      </p:nvGrpSpPr>
+      <p:grpSpPr>
+        <a:xfrm>
+          <a:off x="0" y="0"/>
+          <a:ext cx="0" cy="0"/>
+          <a:chOff x="0" y="0"/>
+          <a:chExt cx="0" cy="0"/>
+        </a:xfrm>
+      </p:grpSpPr>
+      <p:grpSp>
+        <p:nvGrpSpPr>
           <p:cNvPr id="7" name="Groupe 6">
             <a:extLst>
               <a:ext uri="{FF2B5EF4-FFF2-40B4-BE49-F238E27FC236}">
@@ -3483,10 +6110,10 @@
         </p:nvGrpSpPr>
         <p:grpSpPr>
           <a:xfrm>
-            <a:off x="477520" y="2022427"/>
+            <a:off x="477519" y="2022427"/>
             <a:ext cx="2499360" cy="1200329"/>
-            <a:chOff x="4419600" y="172720"/>
-            <a:chExt cx="2499360" cy="1200329"/>
+            <a:chOff x="4419599" y="172720"/>
+            <a:chExt cx="2499361" cy="1200329"/>
           </a:xfrm>
         </p:grpSpPr>
         <p:sp>
@@ -3503,7 +6130,7 @@
           </p:nvSpPr>
           <p:spPr>
             <a:xfrm>
-              <a:off x="4419600" y="172720"/>
+              <a:off x="4419599" y="172720"/>
               <a:ext cx="2499360" cy="1200329"/>
             </a:xfrm>
             <a:prstGeom prst="rect">
@@ -4432,9 +7059,9 @@
         </p:nvGrpSpPr>
         <p:grpSpPr>
           <a:xfrm>
-            <a:off x="772156" y="4551705"/>
+            <a:off x="772157" y="4551705"/>
             <a:ext cx="2204721" cy="646331"/>
-            <a:chOff x="4419600" y="172720"/>
+            <a:chOff x="4419601" y="172720"/>
             <a:chExt cx="2499360" cy="1151044"/>
           </a:xfrm>
         </p:grpSpPr>
@@ -4452,7 +7079,7 @@
           </p:nvSpPr>
           <p:spPr>
             <a:xfrm>
-              <a:off x="4419600" y="172720"/>
+              <a:off x="4419601" y="172720"/>
               <a:ext cx="2499360" cy="1151044"/>
             </a:xfrm>
             <a:prstGeom prst="rect">
